--- a/Line-Replaceable Units.pptx
+++ b/Line-Replaceable Units.pptx
@@ -6,27 +6,28 @@
   </p:sldMasterIdLst>
   <p:sldIdLst>
     <p:sldId id="256" r:id="rId2"/>
-    <p:sldId id="257" r:id="rId3"/>
-    <p:sldId id="263" r:id="rId4"/>
-    <p:sldId id="264" r:id="rId5"/>
-    <p:sldId id="266" r:id="rId6"/>
-    <p:sldId id="258" r:id="rId7"/>
-    <p:sldId id="265" r:id="rId8"/>
-    <p:sldId id="271" r:id="rId9"/>
-    <p:sldId id="272" r:id="rId10"/>
-    <p:sldId id="273" r:id="rId11"/>
-    <p:sldId id="274" r:id="rId12"/>
-    <p:sldId id="276" r:id="rId13"/>
-    <p:sldId id="277" r:id="rId14"/>
-    <p:sldId id="275" r:id="rId15"/>
-    <p:sldId id="278" r:id="rId16"/>
+    <p:sldId id="263" r:id="rId3"/>
+    <p:sldId id="264" r:id="rId4"/>
+    <p:sldId id="266" r:id="rId5"/>
+    <p:sldId id="271" r:id="rId6"/>
+    <p:sldId id="272" r:id="rId7"/>
+    <p:sldId id="273" r:id="rId8"/>
+    <p:sldId id="274" r:id="rId9"/>
+    <p:sldId id="276" r:id="rId10"/>
+    <p:sldId id="277" r:id="rId11"/>
+    <p:sldId id="275" r:id="rId12"/>
+    <p:sldId id="278" r:id="rId13"/>
+    <p:sldId id="280" r:id="rId14"/>
+    <p:sldId id="270" r:id="rId15"/>
+    <p:sldId id="268" r:id="rId16"/>
     <p:sldId id="279" r:id="rId17"/>
     <p:sldId id="269" r:id="rId18"/>
-    <p:sldId id="270" r:id="rId19"/>
-    <p:sldId id="268" r:id="rId20"/>
+    <p:sldId id="258" r:id="rId19"/>
+    <p:sldId id="265" r:id="rId20"/>
     <p:sldId id="267" r:id="rId21"/>
     <p:sldId id="259" r:id="rId22"/>
     <p:sldId id="260" r:id="rId23"/>
+    <p:sldId id="281" r:id="rId24"/>
   </p:sldIdLst>
   <p:sldSz cx="9144000" cy="6858000" type="screen4x3"/>
   <p:notesSz cx="6858000" cy="9144000"/>
@@ -3272,419 +3273,6 @@
           <a:p>
             <a:r>
               <a:rPr lang="en-US" dirty="0" smtClean="0"/>
-              <a:t>We (JPL) are building a spacecraft, and we want to put a camera on it</a:t>
-            </a:r>
-          </a:p>
-          <a:p>
-            <a:r>
-              <a:rPr lang="en-US" dirty="0" smtClean="0"/>
-              <a:t>We contract out the design &amp; manufacture of the camera</a:t>
-            </a:r>
-          </a:p>
-          <a:p>
-            <a:r>
-              <a:rPr lang="en-US" dirty="0" smtClean="0"/>
-              <a:t>But how do we make sure the camera will work correctly with the rest of the spacecraft?</a:t>
-            </a:r>
-          </a:p>
-          <a:p>
-            <a:r>
-              <a:rPr lang="en-US" dirty="0" smtClean="0"/>
-              <a:t>We agree on the </a:t>
-            </a:r>
-            <a:r>
-              <a:rPr lang="en-US" i="1" dirty="0" smtClean="0"/>
-              <a:t>interfaces</a:t>
-            </a:r>
-            <a:r>
-              <a:rPr lang="en-US" dirty="0" smtClean="0"/>
-              <a:t>, in the form of an ICD (Interface Control Document)</a:t>
-            </a:r>
-            <a:endParaRPr lang="en-US" dirty="0"/>
-          </a:p>
-        </p:txBody>
-      </p:sp>
-    </p:spTree>
-    <p:extLst>
-      <p:ext uri="{BB962C8B-B14F-4D97-AF65-F5344CB8AC3E}">
-        <p14:creationId xmlns:p14="http://schemas.microsoft.com/office/powerpoint/2010/main" val="2475627845"/>
-      </p:ext>
-    </p:extLst>
-  </p:cSld>
-  <p:clrMapOvr>
-    <a:masterClrMapping/>
-  </p:clrMapOvr>
-  <p:timing>
-    <p:tnLst>
-      <p:par>
-        <p:cTn id="1" dur="indefinite" restart="never" nodeType="tmRoot">
-          <p:childTnLst>
-            <p:seq concurrent="1" nextAc="seek">
-              <p:cTn id="2" dur="indefinite" nodeType="mainSeq">
-                <p:childTnLst>
-                  <p:par>
-                    <p:cTn id="3" fill="hold">
-                      <p:stCondLst>
-                        <p:cond delay="indefinite"/>
-                      </p:stCondLst>
-                      <p:childTnLst>
-                        <p:par>
-                          <p:cTn id="4" fill="hold">
-                            <p:stCondLst>
-                              <p:cond delay="0"/>
-                            </p:stCondLst>
-                            <p:childTnLst>
-                              <p:par>
-                                <p:cTn id="5" presetID="1" presetClass="entr" presetSubtype="0" fill="hold" nodeType="clickEffect">
-                                  <p:stCondLst>
-                                    <p:cond delay="0"/>
-                                  </p:stCondLst>
-                                  <p:childTnLst>
-                                    <p:set>
-                                      <p:cBhvr>
-                                        <p:cTn id="6" dur="1" fill="hold">
-                                          <p:stCondLst>
-                                            <p:cond delay="0"/>
-                                          </p:stCondLst>
-                                        </p:cTn>
-                                        <p:tgtEl>
-                                          <p:spTgt spid="3">
-                                            <p:txEl>
-                                              <p:pRg st="3" end="3"/>
-                                            </p:txEl>
-                                          </p:spTgt>
-                                        </p:tgtEl>
-                                        <p:attrNameLst>
-                                          <p:attrName>style.visibility</p:attrName>
-                                        </p:attrNameLst>
-                                      </p:cBhvr>
-                                      <p:to>
-                                        <p:strVal val="visible"/>
-                                      </p:to>
-                                    </p:set>
-                                  </p:childTnLst>
-                                </p:cTn>
-                              </p:par>
-                            </p:childTnLst>
-                          </p:cTn>
-                        </p:par>
-                      </p:childTnLst>
-                    </p:cTn>
-                  </p:par>
-                </p:childTnLst>
-              </p:cTn>
-              <p:prevCondLst>
-                <p:cond evt="onPrev" delay="0">
-                  <p:tgtEl>
-                    <p:sldTgt/>
-                  </p:tgtEl>
-                </p:cond>
-              </p:prevCondLst>
-              <p:nextCondLst>
-                <p:cond evt="onNext" delay="0">
-                  <p:tgtEl>
-                    <p:sldTgt/>
-                  </p:tgtEl>
-                </p:cond>
-              </p:nextCondLst>
-            </p:seq>
-          </p:childTnLst>
-        </p:cTn>
-      </p:par>
-    </p:tnLst>
-  </p:timing>
-</p:sld>
-</file>
-
-<file path=ppt/slides/slide11.xml><?xml version="1.0" encoding="utf-8"?>
-<p:sld xmlns:a="http://schemas.openxmlformats.org/drawingml/2006/main" xmlns:r="http://schemas.openxmlformats.org/officeDocument/2006/relationships" xmlns:p="http://schemas.openxmlformats.org/presentationml/2006/main">
-  <p:cSld>
-    <p:spTree>
-      <p:nvGrpSpPr>
-        <p:cNvPr id="1" name=""/>
-        <p:cNvGrpSpPr/>
-        <p:nvPr/>
-      </p:nvGrpSpPr>
-      <p:grpSpPr>
-        <a:xfrm>
-          <a:off x="0" y="0"/>
-          <a:ext cx="0" cy="0"/>
-          <a:chOff x="0" y="0"/>
-          <a:chExt cx="0" cy="0"/>
-        </a:xfrm>
-      </p:grpSpPr>
-      <p:sp>
-        <p:nvSpPr>
-          <p:cNvPr id="2" name="Title 1"/>
-          <p:cNvSpPr>
-            <a:spLocks noGrp="1"/>
-          </p:cNvSpPr>
-          <p:nvPr>
-            <p:ph type="title"/>
-          </p:nvPr>
-        </p:nvSpPr>
-        <p:spPr/>
-        <p:txBody>
-          <a:bodyPr/>
-          <a:lstStyle/>
-          <a:p>
-            <a:r>
-              <a:rPr lang="en-US" dirty="0" smtClean="0"/>
-              <a:t>Example</a:t>
-            </a:r>
-            <a:endParaRPr lang="en-US" dirty="0"/>
-          </a:p>
-        </p:txBody>
-      </p:sp>
-      <p:sp>
-        <p:nvSpPr>
-          <p:cNvPr id="3" name="Content Placeholder 2"/>
-          <p:cNvSpPr>
-            <a:spLocks noGrp="1"/>
-          </p:cNvSpPr>
-          <p:nvPr>
-            <p:ph idx="1"/>
-          </p:nvPr>
-        </p:nvSpPr>
-        <p:spPr/>
-        <p:txBody>
-          <a:bodyPr/>
-          <a:lstStyle/>
-          <a:p>
-            <a:r>
-              <a:rPr lang="en-US" dirty="0" smtClean="0"/>
-              <a:t>Mechanical ICD (MICD)</a:t>
-            </a:r>
-          </a:p>
-          <a:p>
-            <a:pPr lvl="1"/>
-            <a:r>
-              <a:rPr lang="en-US" dirty="0" smtClean="0"/>
-              <a:t>Mass</a:t>
-            </a:r>
-          </a:p>
-          <a:p>
-            <a:pPr lvl="1"/>
-            <a:r>
-              <a:rPr lang="en-US" dirty="0" smtClean="0"/>
-              <a:t>Center of mass</a:t>
-            </a:r>
-          </a:p>
-          <a:p>
-            <a:pPr lvl="1"/>
-            <a:r>
-              <a:rPr lang="en-US" i="1" dirty="0" smtClean="0"/>
-              <a:t>Envelopes</a:t>
-            </a:r>
-            <a:endParaRPr lang="en-US" i="1" dirty="0"/>
-          </a:p>
-        </p:txBody>
-      </p:sp>
-      <p:pic>
-        <p:nvPicPr>
-          <p:cNvPr id="4" name="Picture 3"/>
-          <p:cNvPicPr>
-            <a:picLocks noChangeAspect="1"/>
-          </p:cNvPicPr>
-          <p:nvPr/>
-        </p:nvPicPr>
-        <p:blipFill>
-          <a:blip r:embed="rId2"/>
-          <a:stretch>
-            <a:fillRect/>
-          </a:stretch>
-        </p:blipFill>
-        <p:spPr>
-          <a:xfrm>
-            <a:off x="2594350" y="2858443"/>
-            <a:ext cx="6549650" cy="3999557"/>
-          </a:xfrm>
-          <a:prstGeom prst="rect">
-            <a:avLst/>
-          </a:prstGeom>
-        </p:spPr>
-      </p:pic>
-    </p:spTree>
-    <p:extLst>
-      <p:ext uri="{BB962C8B-B14F-4D97-AF65-F5344CB8AC3E}">
-        <p14:creationId xmlns:p14="http://schemas.microsoft.com/office/powerpoint/2010/main" val="2210633231"/>
-      </p:ext>
-    </p:extLst>
-  </p:cSld>
-  <p:clrMapOvr>
-    <a:masterClrMapping/>
-  </p:clrMapOvr>
-  <p:timing>
-    <p:tnLst>
-      <p:par>
-        <p:cTn id="1" dur="indefinite" restart="never" nodeType="tmRoot"/>
-      </p:par>
-    </p:tnLst>
-  </p:timing>
-</p:sld>
-</file>
-
-<file path=ppt/slides/slide12.xml><?xml version="1.0" encoding="utf-8"?>
-<p:sld xmlns:a="http://schemas.openxmlformats.org/drawingml/2006/main" xmlns:r="http://schemas.openxmlformats.org/officeDocument/2006/relationships" xmlns:p="http://schemas.openxmlformats.org/presentationml/2006/main">
-  <p:cSld>
-    <p:spTree>
-      <p:nvGrpSpPr>
-        <p:cNvPr id="1" name=""/>
-        <p:cNvGrpSpPr/>
-        <p:nvPr/>
-      </p:nvGrpSpPr>
-      <p:grpSpPr>
-        <a:xfrm>
-          <a:off x="0" y="0"/>
-          <a:ext cx="0" cy="0"/>
-          <a:chOff x="0" y="0"/>
-          <a:chExt cx="0" cy="0"/>
-        </a:xfrm>
-      </p:grpSpPr>
-      <p:sp>
-        <p:nvSpPr>
-          <p:cNvPr id="2" name="Title 1"/>
-          <p:cNvSpPr>
-            <a:spLocks noGrp="1"/>
-          </p:cNvSpPr>
-          <p:nvPr>
-            <p:ph type="title"/>
-          </p:nvPr>
-        </p:nvSpPr>
-        <p:spPr/>
-        <p:txBody>
-          <a:bodyPr/>
-          <a:lstStyle/>
-          <a:p>
-            <a:r>
-              <a:rPr lang="en-US" dirty="0" smtClean="0"/>
-              <a:t>Example</a:t>
-            </a:r>
-            <a:endParaRPr lang="en-US" dirty="0"/>
-          </a:p>
-        </p:txBody>
-      </p:sp>
-      <p:sp>
-        <p:nvSpPr>
-          <p:cNvPr id="3" name="Content Placeholder 2"/>
-          <p:cNvSpPr>
-            <a:spLocks noGrp="1"/>
-          </p:cNvSpPr>
-          <p:nvPr>
-            <p:ph idx="1"/>
-          </p:nvPr>
-        </p:nvSpPr>
-        <p:spPr/>
-        <p:txBody>
-          <a:bodyPr/>
-          <a:lstStyle/>
-          <a:p>
-            <a:r>
-              <a:rPr lang="en-US" dirty="0" smtClean="0"/>
-              <a:t>Electrical ICD (EICD)</a:t>
-            </a:r>
-          </a:p>
-          <a:p>
-            <a:pPr lvl="1"/>
-            <a:r>
-              <a:rPr lang="en-US" dirty="0" smtClean="0"/>
-              <a:t>Power requirements</a:t>
-            </a:r>
-          </a:p>
-          <a:p>
-            <a:pPr lvl="1"/>
-            <a:r>
-              <a:rPr lang="en-US" dirty="0" smtClean="0"/>
-              <a:t>Connectors &amp; pinouts</a:t>
-            </a:r>
-          </a:p>
-          <a:p>
-            <a:pPr lvl="1"/>
-            <a:r>
-              <a:rPr lang="en-US" dirty="0" smtClean="0"/>
-              <a:t>Data transfer (Ethernet, serial, etc.)</a:t>
-            </a:r>
-            <a:endParaRPr lang="en-US" dirty="0"/>
-          </a:p>
-        </p:txBody>
-      </p:sp>
-    </p:spTree>
-    <p:extLst>
-      <p:ext uri="{BB962C8B-B14F-4D97-AF65-F5344CB8AC3E}">
-        <p14:creationId xmlns:p14="http://schemas.microsoft.com/office/powerpoint/2010/main" val="3051302333"/>
-      </p:ext>
-    </p:extLst>
-  </p:cSld>
-  <p:clrMapOvr>
-    <a:masterClrMapping/>
-  </p:clrMapOvr>
-  <p:timing>
-    <p:tnLst>
-      <p:par>
-        <p:cTn id="1" dur="indefinite" restart="never" nodeType="tmRoot"/>
-      </p:par>
-    </p:tnLst>
-  </p:timing>
-</p:sld>
-</file>
-
-<file path=ppt/slides/slide13.xml><?xml version="1.0" encoding="utf-8"?>
-<p:sld xmlns:a="http://schemas.openxmlformats.org/drawingml/2006/main" xmlns:r="http://schemas.openxmlformats.org/officeDocument/2006/relationships" xmlns:p="http://schemas.openxmlformats.org/presentationml/2006/main">
-  <p:cSld>
-    <p:spTree>
-      <p:nvGrpSpPr>
-        <p:cNvPr id="1" name=""/>
-        <p:cNvGrpSpPr/>
-        <p:nvPr/>
-      </p:nvGrpSpPr>
-      <p:grpSpPr>
-        <a:xfrm>
-          <a:off x="0" y="0"/>
-          <a:ext cx="0" cy="0"/>
-          <a:chOff x="0" y="0"/>
-          <a:chExt cx="0" cy="0"/>
-        </a:xfrm>
-      </p:grpSpPr>
-      <p:sp>
-        <p:nvSpPr>
-          <p:cNvPr id="2" name="Title 1"/>
-          <p:cNvSpPr>
-            <a:spLocks noGrp="1"/>
-          </p:cNvSpPr>
-          <p:nvPr>
-            <p:ph type="title"/>
-          </p:nvPr>
-        </p:nvSpPr>
-        <p:spPr/>
-        <p:txBody>
-          <a:bodyPr/>
-          <a:lstStyle/>
-          <a:p>
-            <a:r>
-              <a:rPr lang="en-US" dirty="0" smtClean="0"/>
-              <a:t>Example</a:t>
-            </a:r>
-            <a:endParaRPr lang="en-US" dirty="0"/>
-          </a:p>
-        </p:txBody>
-      </p:sp>
-      <p:sp>
-        <p:nvSpPr>
-          <p:cNvPr id="3" name="Content Placeholder 2"/>
-          <p:cNvSpPr>
-            <a:spLocks noGrp="1"/>
-          </p:cNvSpPr>
-          <p:nvPr>
-            <p:ph idx="1"/>
-          </p:nvPr>
-        </p:nvSpPr>
-        <p:spPr/>
-        <p:txBody>
-          <a:bodyPr/>
-          <a:lstStyle/>
-          <a:p>
-            <a:r>
-              <a:rPr lang="en-US" dirty="0" smtClean="0"/>
               <a:t>Communications (programming)</a:t>
             </a:r>
           </a:p>
@@ -3756,7 +3344,7 @@
 </p:sld>
 </file>
 
-<file path=ppt/slides/slide14.xml><?xml version="1.0" encoding="utf-8"?>
+<file path=ppt/slides/slide11.xml><?xml version="1.0" encoding="utf-8"?>
 <p:sld xmlns:a="http://schemas.openxmlformats.org/drawingml/2006/main" xmlns:r="http://schemas.openxmlformats.org/officeDocument/2006/relationships" xmlns:p="http://schemas.openxmlformats.org/presentationml/2006/main">
   <p:cSld>
     <p:spTree>
@@ -3859,6 +3447,324 @@
 </p:sld>
 </file>
 
+<file path=ppt/slides/slide12.xml><?xml version="1.0" encoding="utf-8"?>
+<p:sld xmlns:a="http://schemas.openxmlformats.org/drawingml/2006/main" xmlns:r="http://schemas.openxmlformats.org/officeDocument/2006/relationships" xmlns:p="http://schemas.openxmlformats.org/presentationml/2006/main">
+  <p:cSld>
+    <p:spTree>
+      <p:nvGrpSpPr>
+        <p:cNvPr id="1" name=""/>
+        <p:cNvGrpSpPr/>
+        <p:nvPr/>
+      </p:nvGrpSpPr>
+      <p:grpSpPr>
+        <a:xfrm>
+          <a:off x="0" y="0"/>
+          <a:ext cx="0" cy="0"/>
+          <a:chOff x="0" y="0"/>
+          <a:chExt cx="0" cy="0"/>
+        </a:xfrm>
+      </p:grpSpPr>
+      <p:sp>
+        <p:nvSpPr>
+          <p:cNvPr id="2" name="Title 1"/>
+          <p:cNvSpPr>
+            <a:spLocks noGrp="1"/>
+          </p:cNvSpPr>
+          <p:nvPr>
+            <p:ph type="title"/>
+          </p:nvPr>
+        </p:nvSpPr>
+        <p:spPr/>
+        <p:txBody>
+          <a:bodyPr/>
+          <a:lstStyle/>
+          <a:p>
+            <a:r>
+              <a:rPr lang="en-US" dirty="0" smtClean="0"/>
+              <a:t>Results</a:t>
+            </a:r>
+            <a:endParaRPr lang="en-US" dirty="0"/>
+          </a:p>
+        </p:txBody>
+      </p:sp>
+      <p:sp>
+        <p:nvSpPr>
+          <p:cNvPr id="3" name="Content Placeholder 2"/>
+          <p:cNvSpPr>
+            <a:spLocks noGrp="1"/>
+          </p:cNvSpPr>
+          <p:nvPr>
+            <p:ph idx="1"/>
+          </p:nvPr>
+        </p:nvSpPr>
+        <p:spPr/>
+        <p:txBody>
+          <a:bodyPr/>
+          <a:lstStyle/>
+          <a:p>
+            <a:r>
+              <a:rPr lang="en-US" dirty="0" smtClean="0"/>
+              <a:t>Thanks to a bilateral ICD, the contractor was designing, building, and testing the camera while we were designing, building, and testing the spacecraft</a:t>
+            </a:r>
+          </a:p>
+          <a:p>
+            <a:r>
+              <a:rPr lang="en-US" dirty="0" smtClean="0"/>
+              <a:t>When the contractor delivers the camera:</a:t>
+            </a:r>
+          </a:p>
+          <a:p>
+            <a:pPr lvl="1"/>
+            <a:r>
+              <a:rPr lang="en-US" dirty="0" smtClean="0"/>
+              <a:t>We bolt it onto the mount we’d already made</a:t>
+            </a:r>
+          </a:p>
+          <a:p>
+            <a:pPr lvl="1"/>
+            <a:r>
+              <a:rPr lang="en-US" dirty="0" smtClean="0"/>
+              <a:t>We plug in the connectors we’d already wired</a:t>
+            </a:r>
+          </a:p>
+          <a:p>
+            <a:pPr lvl="1"/>
+            <a:r>
+              <a:rPr lang="en-US" dirty="0" smtClean="0"/>
+              <a:t>We run the software we’d already written</a:t>
+            </a:r>
+          </a:p>
+          <a:p>
+            <a:pPr lvl="1"/>
+            <a:r>
+              <a:rPr lang="en-US" dirty="0" smtClean="0"/>
+              <a:t>Since the spacecraft complies with the ICD, and the camera complies with the ICD, they should work together after being tested independently</a:t>
+            </a:r>
+          </a:p>
+        </p:txBody>
+      </p:sp>
+    </p:spTree>
+    <p:extLst>
+      <p:ext uri="{BB962C8B-B14F-4D97-AF65-F5344CB8AC3E}">
+        <p14:creationId xmlns:p14="http://schemas.microsoft.com/office/powerpoint/2010/main" val="2056165135"/>
+      </p:ext>
+    </p:extLst>
+  </p:cSld>
+  <p:clrMapOvr>
+    <a:masterClrMapping/>
+  </p:clrMapOvr>
+  <p:timing>
+    <p:tnLst>
+      <p:par>
+        <p:cTn id="1" dur="indefinite" restart="never" nodeType="tmRoot"/>
+      </p:par>
+    </p:tnLst>
+  </p:timing>
+</p:sld>
+</file>
+
+<file path=ppt/slides/slide13.xml><?xml version="1.0" encoding="utf-8"?>
+<p:sld xmlns:a="http://schemas.openxmlformats.org/drawingml/2006/main" xmlns:r="http://schemas.openxmlformats.org/officeDocument/2006/relationships" xmlns:p="http://schemas.openxmlformats.org/presentationml/2006/main">
+  <p:cSld>
+    <p:spTree>
+      <p:nvGrpSpPr>
+        <p:cNvPr id="1" name=""/>
+        <p:cNvGrpSpPr/>
+        <p:nvPr/>
+      </p:nvGrpSpPr>
+      <p:grpSpPr>
+        <a:xfrm>
+          <a:off x="0" y="0"/>
+          <a:ext cx="0" cy="0"/>
+          <a:chOff x="0" y="0"/>
+          <a:chExt cx="0" cy="0"/>
+        </a:xfrm>
+      </p:grpSpPr>
+      <p:sp>
+        <p:nvSpPr>
+          <p:cNvPr id="2" name="Title 1"/>
+          <p:cNvSpPr>
+            <a:spLocks noGrp="1"/>
+          </p:cNvSpPr>
+          <p:nvPr>
+            <p:ph type="title"/>
+          </p:nvPr>
+        </p:nvSpPr>
+        <p:spPr/>
+        <p:txBody>
+          <a:bodyPr/>
+          <a:lstStyle/>
+          <a:p>
+            <a:r>
+              <a:rPr lang="en-US" dirty="0" smtClean="0"/>
+              <a:t>Modularity</a:t>
+            </a:r>
+            <a:endParaRPr lang="en-US" dirty="0"/>
+          </a:p>
+        </p:txBody>
+      </p:sp>
+      <p:sp>
+        <p:nvSpPr>
+          <p:cNvPr id="3" name="Content Placeholder 2"/>
+          <p:cNvSpPr>
+            <a:spLocks noGrp="1"/>
+          </p:cNvSpPr>
+          <p:nvPr>
+            <p:ph idx="1"/>
+          </p:nvPr>
+        </p:nvSpPr>
+        <p:spPr/>
+        <p:txBody>
+          <a:bodyPr/>
+          <a:lstStyle/>
+          <a:p>
+            <a:r>
+              <a:rPr lang="en-US" dirty="0" smtClean="0"/>
+              <a:t>Modular systems also allow the concept of </a:t>
+            </a:r>
+            <a:r>
+              <a:rPr lang="en-US" i="1" dirty="0" smtClean="0"/>
+              <a:t>line-replaceable units</a:t>
+            </a:r>
+            <a:endParaRPr lang="en-US" dirty="0" smtClean="0"/>
+          </a:p>
+          <a:p>
+            <a:pPr lvl="1"/>
+            <a:r>
+              <a:rPr lang="en-US" dirty="0" smtClean="0"/>
+              <a:t>Aviation term</a:t>
+            </a:r>
+          </a:p>
+          <a:p>
+            <a:pPr lvl="1"/>
+            <a:r>
+              <a:rPr lang="en-US" dirty="0" smtClean="0"/>
+              <a:t>Modular components that can be replaced on the </a:t>
+            </a:r>
+            <a:r>
+              <a:rPr lang="en-US" dirty="0" err="1" smtClean="0"/>
+              <a:t>flightline</a:t>
+            </a:r>
+            <a:r>
+              <a:rPr lang="en-US" dirty="0" smtClean="0"/>
+              <a:t> (an aircraft parked out on the tarmac, rather than in the shop)</a:t>
+            </a:r>
+          </a:p>
+          <a:p>
+            <a:r>
+              <a:rPr lang="en-US" dirty="0" smtClean="0"/>
+              <a:t>No one is ever leaning into a spacecraft or an airplane with a soldering iron</a:t>
+            </a:r>
+          </a:p>
+          <a:p>
+            <a:r>
+              <a:rPr lang="en-US" dirty="0" smtClean="0"/>
+              <a:t>Everything is packaged into “boxes”, which can be easily disconnected and replaced with an identical box</a:t>
+            </a:r>
+            <a:endParaRPr lang="en-US" dirty="0"/>
+          </a:p>
+        </p:txBody>
+      </p:sp>
+    </p:spTree>
+    <p:extLst>
+      <p:ext uri="{BB962C8B-B14F-4D97-AF65-F5344CB8AC3E}">
+        <p14:creationId xmlns:p14="http://schemas.microsoft.com/office/powerpoint/2010/main" val="327745175"/>
+      </p:ext>
+    </p:extLst>
+  </p:cSld>
+  <p:clrMapOvr>
+    <a:masterClrMapping/>
+  </p:clrMapOvr>
+  <p:timing>
+    <p:tnLst>
+      <p:par>
+        <p:cTn id="1" dur="indefinite" restart="never" nodeType="tmRoot"/>
+      </p:par>
+    </p:tnLst>
+  </p:timing>
+</p:sld>
+</file>
+
+<file path=ppt/slides/slide14.xml><?xml version="1.0" encoding="utf-8"?>
+<p:sld xmlns:a="http://schemas.openxmlformats.org/drawingml/2006/main" xmlns:r="http://schemas.openxmlformats.org/officeDocument/2006/relationships" xmlns:p="http://schemas.openxmlformats.org/presentationml/2006/main">
+  <p:cSld>
+    <p:spTree>
+      <p:nvGrpSpPr>
+        <p:cNvPr id="1" name=""/>
+        <p:cNvGrpSpPr/>
+        <p:nvPr/>
+      </p:nvGrpSpPr>
+      <p:grpSpPr>
+        <a:xfrm>
+          <a:off x="0" y="0"/>
+          <a:ext cx="0" cy="0"/>
+          <a:chOff x="0" y="0"/>
+          <a:chExt cx="0" cy="0"/>
+        </a:xfrm>
+      </p:grpSpPr>
+      <p:pic>
+        <p:nvPicPr>
+          <p:cNvPr id="5122" name="Picture 2" descr="https://www.jpl.nasa.gov/spaceimages/images/largesize/PIA23312_hires.jpg"/>
+          <p:cNvPicPr>
+            <a:picLocks noGrp="1" noChangeAspect="1" noChangeArrowheads="1"/>
+          </p:cNvPicPr>
+          <p:nvPr>
+            <p:ph idx="1"/>
+          </p:nvPr>
+        </p:nvPicPr>
+        <p:blipFill>
+          <a:blip r:embed="rId2" cstate="print">
+            <a:extLst>
+              <a:ext uri="{28A0092B-C50C-407E-A947-70E740481C1C}">
+                <a14:useLocalDpi xmlns:a14="http://schemas.microsoft.com/office/drawing/2010/main" val="0"/>
+              </a:ext>
+            </a:extLst>
+          </a:blip>
+          <a:srcRect/>
+          <a:stretch>
+            <a:fillRect/>
+          </a:stretch>
+        </p:blipFill>
+        <p:spPr bwMode="auto">
+          <a:xfrm>
+            <a:off x="748356" y="957884"/>
+            <a:ext cx="7622560" cy="5716920"/>
+          </a:xfrm>
+          <a:prstGeom prst="rect">
+            <a:avLst/>
+          </a:prstGeom>
+          <a:noFill/>
+          <a:extLst>
+            <a:ext uri="{909E8E84-426E-40DD-AFC4-6F175D3DCCD1}">
+              <a14:hiddenFill xmlns:a14="http://schemas.microsoft.com/office/drawing/2010/main">
+                <a:solidFill>
+                  <a:srgbClr val="FFFFFF"/>
+                </a:solidFill>
+              </a14:hiddenFill>
+            </a:ext>
+          </a:extLst>
+        </p:spPr>
+      </p:pic>
+    </p:spTree>
+    <p:extLst>
+      <p:ext uri="{BB962C8B-B14F-4D97-AF65-F5344CB8AC3E}">
+        <p14:creationId xmlns:p14="http://schemas.microsoft.com/office/powerpoint/2010/main" val="1995832511"/>
+      </p:ext>
+    </p:extLst>
+  </p:cSld>
+  <p:clrMapOvr>
+    <a:masterClrMapping/>
+  </p:clrMapOvr>
+  <p:timing>
+    <p:tnLst>
+      <p:par>
+        <p:cTn id="1" dur="indefinite" restart="never" nodeType="tmRoot"/>
+      </p:par>
+    </p:tnLst>
+  </p:timing>
+</p:sld>
+</file>
+
 <file path=ppt/slides/slide15.xml><?xml version="1.0" encoding="utf-8"?>
 <p:sld xmlns:a="http://schemas.openxmlformats.org/drawingml/2006/main" xmlns:r="http://schemas.openxmlformats.org/officeDocument/2006/relationships" xmlns:p="http://schemas.openxmlformats.org/presentationml/2006/main">
   <p:cSld>
@@ -3876,89 +3782,53 @@
           <a:chExt cx="0" cy="0"/>
         </a:xfrm>
       </p:grpSpPr>
-      <p:sp>
-        <p:nvSpPr>
-          <p:cNvPr id="2" name="Title 1"/>
-          <p:cNvSpPr>
-            <a:spLocks noGrp="1"/>
-          </p:cNvSpPr>
-          <p:nvPr>
-            <p:ph type="title"/>
-          </p:nvPr>
-        </p:nvSpPr>
-        <p:spPr/>
-        <p:txBody>
-          <a:bodyPr/>
-          <a:lstStyle/>
-          <a:p>
-            <a:r>
-              <a:rPr lang="en-US" dirty="0" smtClean="0"/>
-              <a:t>Results</a:t>
-            </a:r>
-            <a:endParaRPr lang="en-US" dirty="0"/>
-          </a:p>
-        </p:txBody>
-      </p:sp>
-      <p:sp>
-        <p:nvSpPr>
-          <p:cNvPr id="3" name="Content Placeholder 2"/>
-          <p:cNvSpPr>
-            <a:spLocks noGrp="1"/>
-          </p:cNvSpPr>
+      <p:pic>
+        <p:nvPicPr>
+          <p:cNvPr id="3074" name="Picture 2" descr="Image result for Mars 2020 integration"/>
+          <p:cNvPicPr>
+            <a:picLocks noGrp="1" noChangeAspect="1" noChangeArrowheads="1"/>
+          </p:cNvPicPr>
           <p:nvPr>
             <p:ph idx="1"/>
           </p:nvPr>
-        </p:nvSpPr>
-        <p:spPr/>
-        <p:txBody>
-          <a:bodyPr/>
-          <a:lstStyle/>
-          <a:p>
-            <a:r>
-              <a:rPr lang="en-US" dirty="0" smtClean="0"/>
-              <a:t>Thanks to a bilateral ICD, the contractor was designing, building, and testing the camera while we were designing, building, and testing the spacecraft</a:t>
-            </a:r>
-          </a:p>
-          <a:p>
-            <a:r>
-              <a:rPr lang="en-US" dirty="0" smtClean="0"/>
-              <a:t>When the contractor delivers the camera:</a:t>
-            </a:r>
-          </a:p>
-          <a:p>
-            <a:pPr lvl="1"/>
-            <a:r>
-              <a:rPr lang="en-US" dirty="0" smtClean="0"/>
-              <a:t>We bolt it onto the mount we’d already made</a:t>
-            </a:r>
-          </a:p>
-          <a:p>
-            <a:pPr lvl="1"/>
-            <a:r>
-              <a:rPr lang="en-US" dirty="0" smtClean="0"/>
-              <a:t>We plug in the connectors we’d already wired</a:t>
-            </a:r>
-          </a:p>
-          <a:p>
-            <a:pPr lvl="1"/>
-            <a:r>
-              <a:rPr lang="en-US" dirty="0" smtClean="0"/>
-              <a:t>We run the software we’d already written</a:t>
-            </a:r>
-          </a:p>
-          <a:p>
-            <a:pPr lvl="1"/>
-            <a:r>
-              <a:rPr lang="en-US" dirty="0" smtClean="0"/>
-              <a:t>Since the spacecraft complies with the ICD, and the camera complies with the ICD, they should work together after being tested independently</a:t>
-            </a:r>
-          </a:p>
-        </p:txBody>
-      </p:sp>
+        </p:nvPicPr>
+        <p:blipFill>
+          <a:blip r:embed="rId2">
+            <a:extLst>
+              <a:ext uri="{28A0092B-C50C-407E-A947-70E740481C1C}">
+                <a14:useLocalDpi xmlns:a14="http://schemas.microsoft.com/office/drawing/2010/main" val="0"/>
+              </a:ext>
+            </a:extLst>
+          </a:blip>
+          <a:srcRect/>
+          <a:stretch>
+            <a:fillRect/>
+          </a:stretch>
+        </p:blipFill>
+        <p:spPr bwMode="auto">
+          <a:xfrm>
+            <a:off x="495064" y="1014154"/>
+            <a:ext cx="8335373" cy="5569210"/>
+          </a:xfrm>
+          <a:prstGeom prst="rect">
+            <a:avLst/>
+          </a:prstGeom>
+          <a:noFill/>
+          <a:extLst>
+            <a:ext uri="{909E8E84-426E-40DD-AFC4-6F175D3DCCD1}">
+              <a14:hiddenFill xmlns:a14="http://schemas.microsoft.com/office/drawing/2010/main">
+                <a:solidFill>
+                  <a:srgbClr val="FFFFFF"/>
+                </a:solidFill>
+              </a14:hiddenFill>
+            </a:ext>
+          </a:extLst>
+        </p:spPr>
+      </p:pic>
     </p:spTree>
     <p:extLst>
       <p:ext uri="{BB962C8B-B14F-4D97-AF65-F5344CB8AC3E}">
-        <p14:creationId xmlns:p14="http://schemas.microsoft.com/office/powerpoint/2010/main" val="2056165135"/>
+        <p14:creationId xmlns:p14="http://schemas.microsoft.com/office/powerpoint/2010/main" val="1764336817"/>
       </p:ext>
     </p:extLst>
   </p:cSld>
@@ -4167,53 +4037,62 @@
           <a:chExt cx="0" cy="0"/>
         </a:xfrm>
       </p:grpSpPr>
+      <p:sp>
+        <p:nvSpPr>
+          <p:cNvPr id="2" name="Title 1"/>
+          <p:cNvSpPr>
+            <a:spLocks noGrp="1"/>
+          </p:cNvSpPr>
+          <p:nvPr>
+            <p:ph type="title"/>
+          </p:nvPr>
+        </p:nvSpPr>
+        <p:spPr/>
+        <p:txBody>
+          <a:bodyPr/>
+          <a:lstStyle/>
+          <a:p>
+            <a:r>
+              <a:rPr lang="en-US" dirty="0" smtClean="0"/>
+              <a:t>Process Flow</a:t>
+            </a:r>
+            <a:endParaRPr lang="en-US" dirty="0"/>
+          </a:p>
+        </p:txBody>
+      </p:sp>
       <p:pic>
         <p:nvPicPr>
-          <p:cNvPr id="5122" name="Picture 2" descr="https://www.jpl.nasa.gov/spaceimages/images/largesize/PIA23312_hires.jpg"/>
+          <p:cNvPr id="8" name="Content Placeholder 7"/>
           <p:cNvPicPr>
-            <a:picLocks noGrp="1" noChangeAspect="1" noChangeArrowheads="1"/>
+            <a:picLocks noGrp="1" noChangeAspect="1"/>
           </p:cNvPicPr>
           <p:nvPr>
             <p:ph idx="1"/>
           </p:nvPr>
         </p:nvPicPr>
         <p:blipFill>
-          <a:blip r:embed="rId2" cstate="print">
+          <a:blip r:embed="rId2">
             <a:extLst>
               <a:ext uri="{28A0092B-C50C-407E-A947-70E740481C1C}">
                 <a14:useLocalDpi xmlns:a14="http://schemas.microsoft.com/office/drawing/2010/main" val="0"/>
               </a:ext>
             </a:extLst>
           </a:blip>
-          <a:srcRect/>
           <a:stretch>
             <a:fillRect/>
           </a:stretch>
         </p:blipFill>
-        <p:spPr bwMode="auto">
+        <p:spPr>
           <a:xfrm>
-            <a:off x="748356" y="957884"/>
-            <a:ext cx="7622560" cy="5716920"/>
+            <a:off x="457200" y="3020755"/>
+            <a:ext cx="8229600" cy="1352345"/>
           </a:xfrm>
-          <a:prstGeom prst="rect">
-            <a:avLst/>
-          </a:prstGeom>
-          <a:noFill/>
-          <a:extLst>
-            <a:ext uri="{909E8E84-426E-40DD-AFC4-6F175D3DCCD1}">
-              <a14:hiddenFill xmlns:a14="http://schemas.microsoft.com/office/drawing/2010/main">
-                <a:solidFill>
-                  <a:srgbClr val="FFFFFF"/>
-                </a:solidFill>
-              </a14:hiddenFill>
-            </a:ext>
-          </a:extLst>
         </p:spPr>
       </p:pic>
     </p:spTree>
     <p:extLst>
       <p:ext uri="{BB962C8B-B14F-4D97-AF65-F5344CB8AC3E}">
-        <p14:creationId xmlns:p14="http://schemas.microsoft.com/office/powerpoint/2010/main" val="1995832511"/>
+        <p14:creationId xmlns:p14="http://schemas.microsoft.com/office/powerpoint/2010/main" val="1822466254"/>
       </p:ext>
     </p:extLst>
   </p:cSld>
@@ -4247,53 +4126,102 @@
           <a:chExt cx="0" cy="0"/>
         </a:xfrm>
       </p:grpSpPr>
-      <p:pic>
-        <p:nvPicPr>
-          <p:cNvPr id="3074" name="Picture 2" descr="Image result for Mars 2020 integration"/>
-          <p:cNvPicPr>
-            <a:picLocks noGrp="1" noChangeAspect="1" noChangeArrowheads="1"/>
-          </p:cNvPicPr>
+      <p:sp>
+        <p:nvSpPr>
+          <p:cNvPr id="2" name="Title 1"/>
+          <p:cNvSpPr>
+            <a:spLocks noGrp="1"/>
+          </p:cNvSpPr>
+          <p:nvPr>
+            <p:ph type="title"/>
+          </p:nvPr>
+        </p:nvSpPr>
+        <p:spPr/>
+        <p:txBody>
+          <a:bodyPr/>
+          <a:lstStyle/>
+          <a:p>
+            <a:r>
+              <a:rPr lang="en-US" dirty="0" smtClean="0"/>
+              <a:t>Problems With “Waterfall” Process</a:t>
+            </a:r>
+            <a:endParaRPr lang="en-US" dirty="0"/>
+          </a:p>
+        </p:txBody>
+      </p:sp>
+      <p:sp>
+        <p:nvSpPr>
+          <p:cNvPr id="3" name="Content Placeholder 2"/>
+          <p:cNvSpPr>
+            <a:spLocks noGrp="1"/>
+          </p:cNvSpPr>
           <p:nvPr>
             <p:ph idx="1"/>
           </p:nvPr>
-        </p:nvPicPr>
-        <p:blipFill>
-          <a:blip r:embed="rId2">
-            <a:extLst>
-              <a:ext uri="{28A0092B-C50C-407E-A947-70E740481C1C}">
-                <a14:useLocalDpi xmlns:a14="http://schemas.microsoft.com/office/drawing/2010/main" val="0"/>
-              </a:ext>
-            </a:extLst>
-          </a:blip>
-          <a:srcRect/>
-          <a:stretch>
-            <a:fillRect/>
-          </a:stretch>
-        </p:blipFill>
-        <p:spPr bwMode="auto">
-          <a:xfrm>
-            <a:off x="495064" y="1014154"/>
-            <a:ext cx="8335373" cy="5569210"/>
-          </a:xfrm>
-          <a:prstGeom prst="rect">
-            <a:avLst/>
-          </a:prstGeom>
-          <a:noFill/>
-          <a:extLst>
-            <a:ext uri="{909E8E84-426E-40DD-AFC4-6F175D3DCCD1}">
-              <a14:hiddenFill xmlns:a14="http://schemas.microsoft.com/office/drawing/2010/main">
-                <a:solidFill>
-                  <a:srgbClr val="FFFFFF"/>
-                </a:solidFill>
-              </a14:hiddenFill>
-            </a:ext>
-          </a:extLst>
-        </p:spPr>
-      </p:pic>
+        </p:nvSpPr>
+        <p:spPr/>
+        <p:txBody>
+          <a:bodyPr/>
+          <a:lstStyle/>
+          <a:p>
+            <a:r>
+              <a:rPr lang="en-US" dirty="0" smtClean="0"/>
+              <a:t>Allows a high level of integration, because the entire robot is being designed in one process</a:t>
+            </a:r>
+          </a:p>
+          <a:p>
+            <a:r>
+              <a:rPr lang="en-US" dirty="0" smtClean="0"/>
+              <a:t>Introduces dependencies between processes</a:t>
+            </a:r>
+          </a:p>
+          <a:p>
+            <a:pPr lvl="1"/>
+            <a:r>
+              <a:rPr lang="en-US" dirty="0" smtClean="0"/>
+              <a:t>Can’t make sure </a:t>
+            </a:r>
+            <a:r>
+              <a:rPr lang="en-US" dirty="0" err="1" smtClean="0"/>
+              <a:t>WiFi</a:t>
+            </a:r>
+            <a:r>
+              <a:rPr lang="en-US" dirty="0" smtClean="0"/>
+              <a:t> works until robot is wired, which can’t happen until robot is assembled</a:t>
+            </a:r>
+          </a:p>
+          <a:p>
+            <a:r>
+              <a:rPr lang="en-US" dirty="0" smtClean="0"/>
+              <a:t>Boom-and-bust workload for </a:t>
+            </a:r>
+            <a:r>
+              <a:rPr lang="en-US" dirty="0" err="1" smtClean="0"/>
+              <a:t>subteams</a:t>
+            </a:r>
+            <a:endParaRPr lang="en-US" dirty="0"/>
+          </a:p>
+          <a:p>
+            <a:pPr lvl="1"/>
+            <a:r>
+              <a:rPr lang="en-US" dirty="0" smtClean="0"/>
+              <a:t>The control system team can’t start programming the robot until the robot is mostly done</a:t>
+            </a:r>
+          </a:p>
+          <a:p>
+            <a:pPr lvl="1"/>
+            <a:r>
+              <a:rPr lang="en-US" dirty="0" smtClean="0"/>
+              <a:t>Applies to manufacturing, to a more limited extent</a:t>
+            </a:r>
+            <a:endParaRPr lang="en-US" dirty="0"/>
+          </a:p>
+        </p:txBody>
+      </p:sp>
     </p:spTree>
     <p:extLst>
       <p:ext uri="{BB962C8B-B14F-4D97-AF65-F5344CB8AC3E}">
-        <p14:creationId xmlns:p14="http://schemas.microsoft.com/office/powerpoint/2010/main" val="1764336817"/>
+        <p14:creationId xmlns:p14="http://schemas.microsoft.com/office/powerpoint/2010/main" val="4168665192"/>
       </p:ext>
     </p:extLst>
   </p:cSld>
@@ -4344,7 +4272,7 @@
           <a:p>
             <a:r>
               <a:rPr lang="en-US" dirty="0" smtClean="0"/>
-              <a:t>Overview</a:t>
+              <a:t>Integration</a:t>
             </a:r>
             <a:endParaRPr lang="en-US" dirty="0"/>
           </a:p>
@@ -4362,89 +4290,76 @@
         </p:nvSpPr>
         <p:spPr/>
         <p:txBody>
-          <a:bodyPr>
-            <a:normAutofit lnSpcReduction="10000"/>
-          </a:bodyPr>
-          <a:lstStyle/>
-          <a:p>
-            <a:r>
-              <a:rPr lang="en-US" dirty="0" smtClean="0"/>
-              <a:t>What is modularity?</a:t>
+          <a:bodyPr/>
+          <a:lstStyle/>
+          <a:p>
+            <a:r>
+              <a:rPr lang="en-US" dirty="0" smtClean="0"/>
+              <a:t>What is integration?</a:t>
             </a:r>
           </a:p>
           <a:p>
             <a:pPr lvl="1"/>
             <a:r>
               <a:rPr lang="en-US" dirty="0" smtClean="0"/>
-              <a:t>Mechanical</a:t>
+              <a:t>To me, integration means lots of complex interdependencies</a:t>
+            </a:r>
+          </a:p>
+          <a:p>
+            <a:pPr lvl="1"/>
+            <a:r>
+              <a:rPr lang="en-US" dirty="0" smtClean="0"/>
+              <a:t>A given component can serve several different purposes, and there are many interactions between components</a:t>
+            </a:r>
+          </a:p>
+          <a:p>
+            <a:r>
+              <a:rPr lang="en-US" dirty="0" smtClean="0"/>
+              <a:t>This is not necessarily a bad thing</a:t>
+            </a:r>
+          </a:p>
+          <a:p>
+            <a:pPr lvl="1"/>
+            <a:r>
+              <a:rPr lang="en-US" dirty="0" smtClean="0"/>
+              <a:t>It may lead to a more optimized final design</a:t>
             </a:r>
           </a:p>
           <a:p>
             <a:pPr lvl="2"/>
             <a:r>
               <a:rPr lang="en-US" dirty="0" smtClean="0"/>
-              <a:t>Specify envelopes, mass</a:t>
-            </a:r>
-          </a:p>
-          <a:p>
-            <a:pPr lvl="1"/>
-            <a:r>
-              <a:rPr lang="en-US" dirty="0" smtClean="0"/>
-              <a:t>Electrical </a:t>
+              <a:t>For example: a robot needs chassis rails, as a place to mount the wheels to</a:t>
             </a:r>
           </a:p>
           <a:p>
             <a:pPr lvl="2"/>
             <a:r>
               <a:rPr lang="en-US" dirty="0" smtClean="0"/>
-              <a:t>Specify interfaces</a:t>
-            </a:r>
-          </a:p>
-          <a:p>
-            <a:pPr lvl="1"/>
-            <a:r>
-              <a:rPr lang="en-US" dirty="0" smtClean="0"/>
-              <a:t>Programming</a:t>
-            </a:r>
-          </a:p>
-          <a:p>
-            <a:pPr lvl="1"/>
-            <a:r>
-              <a:rPr lang="en-US" dirty="0" smtClean="0"/>
-              <a:t>Logistical</a:t>
+              <a:t>A robot also needs a </a:t>
+            </a:r>
+            <a:r>
+              <a:rPr lang="en-US" dirty="0" err="1" smtClean="0"/>
+              <a:t>bellypan</a:t>
+            </a:r>
+            <a:r>
+              <a:rPr lang="en-US" dirty="0" smtClean="0"/>
+              <a:t>, as a place to mount electronics</a:t>
             </a:r>
           </a:p>
           <a:p>
             <a:pPr lvl="2"/>
             <a:r>
               <a:rPr lang="en-US" dirty="0" smtClean="0"/>
-              <a:t>Parallelism</a:t>
-            </a:r>
-          </a:p>
-          <a:p>
-            <a:pPr lvl="2"/>
+              <a:t>If the </a:t>
+            </a:r>
             <a:r>
               <a:rPr lang="en-US" dirty="0" err="1" smtClean="0"/>
-              <a:t>Servicability</a:t>
-            </a:r>
-            <a:endParaRPr lang="en-US" dirty="0" smtClean="0"/>
-          </a:p>
-          <a:p>
-            <a:r>
-              <a:rPr lang="en-US" dirty="0" smtClean="0"/>
-              <a:t>What is integration?</a:t>
-            </a:r>
-          </a:p>
-          <a:p>
-            <a:r>
-              <a:rPr lang="en-US" dirty="0" smtClean="0"/>
-              <a:t>What is encapsulation?</a:t>
-            </a:r>
-          </a:p>
-          <a:p>
-            <a:r>
-              <a:rPr lang="en-US" dirty="0" smtClean="0"/>
-              <a:t>ICD</a:t>
+              <a:t>bellypan</a:t>
+            </a:r>
+            <a:r>
+              <a:rPr lang="en-US" dirty="0" smtClean="0"/>
+              <a:t> geometry and mounting is correct, it can lend significant strength to the chassis, allowing you to use thinner tube</a:t>
             </a:r>
             <a:endParaRPr lang="en-US" dirty="0"/>
           </a:p>
@@ -4453,7 +4368,7 @@
     </p:spTree>
     <p:extLst>
       <p:ext uri="{BB962C8B-B14F-4D97-AF65-F5344CB8AC3E}">
-        <p14:creationId xmlns:p14="http://schemas.microsoft.com/office/powerpoint/2010/main" val="1829411749"/>
+        <p14:creationId xmlns:p14="http://schemas.microsoft.com/office/powerpoint/2010/main" val="4021378092"/>
       </p:ext>
     </p:extLst>
   </p:cSld>
@@ -5115,7 +5030,7 @@
 </p:sld>
 </file>
 
-<file path=ppt/slides/slide3.xml><?xml version="1.0" encoding="utf-8"?>
+<file path=ppt/slides/slide23.xml><?xml version="1.0" encoding="utf-8"?>
 <p:sld xmlns:a="http://schemas.openxmlformats.org/drawingml/2006/main" xmlns:r="http://schemas.openxmlformats.org/officeDocument/2006/relationships" xmlns:p="http://schemas.openxmlformats.org/presentationml/2006/main">
   <p:cSld>
     <p:spTree>
@@ -5149,7 +5064,7 @@
           <a:p>
             <a:r>
               <a:rPr lang="en-US" dirty="0" smtClean="0"/>
-              <a:t>Integration</a:t>
+              <a:t>Conclusion: Modularity</a:t>
             </a:r>
             <a:endParaRPr lang="en-US" dirty="0"/>
           </a:p>
@@ -5172,71 +5087,68 @@
           <a:p>
             <a:r>
               <a:rPr lang="en-US" dirty="0" smtClean="0"/>
-              <a:t>What is integration?</a:t>
+              <a:t>Advantages</a:t>
             </a:r>
           </a:p>
           <a:p>
             <a:pPr lvl="1"/>
             <a:r>
               <a:rPr lang="en-US" dirty="0" smtClean="0"/>
-              <a:t>To me, integration means lots of complex interdependencies</a:t>
+              <a:t>Parallel development</a:t>
             </a:r>
           </a:p>
           <a:p>
             <a:pPr lvl="1"/>
             <a:r>
               <a:rPr lang="en-US" dirty="0" smtClean="0"/>
-              <a:t>A given component can serve several different purposes, and there are many interactions between components</a:t>
-            </a:r>
-          </a:p>
-          <a:p>
-            <a:r>
-              <a:rPr lang="en-US" dirty="0" smtClean="0"/>
-              <a:t>This is not necessarily a bad thing</a:t>
+              <a:t>Easier service</a:t>
             </a:r>
           </a:p>
           <a:p>
             <a:pPr lvl="1"/>
             <a:r>
               <a:rPr lang="en-US" dirty="0" smtClean="0"/>
-              <a:t>It may lead to a more optimized final design</a:t>
-            </a:r>
-          </a:p>
-          <a:p>
-            <a:pPr lvl="2"/>
-            <a:r>
-              <a:rPr lang="en-US" dirty="0" smtClean="0"/>
-              <a:t>For example: a robot needs chassis rails, as a place to mount the wheels to</a:t>
-            </a:r>
-          </a:p>
-          <a:p>
-            <a:pPr lvl="2"/>
-            <a:r>
-              <a:rPr lang="en-US" dirty="0" smtClean="0"/>
-              <a:t>A robot also needs a </a:t>
-            </a:r>
-            <a:r>
-              <a:rPr lang="en-US" dirty="0" err="1" smtClean="0"/>
-              <a:t>bellypan</a:t>
-            </a:r>
-            <a:r>
-              <a:rPr lang="en-US" dirty="0" smtClean="0"/>
-              <a:t>, as a place to mount electronics</a:t>
-            </a:r>
-          </a:p>
-          <a:p>
-            <a:pPr lvl="2"/>
-            <a:r>
-              <a:rPr lang="en-US" dirty="0" smtClean="0"/>
-              <a:t>If the </a:t>
-            </a:r>
-            <a:r>
-              <a:rPr lang="en-US" dirty="0" err="1" smtClean="0"/>
-              <a:t>bellypan</a:t>
-            </a:r>
-            <a:r>
-              <a:rPr lang="en-US" dirty="0" smtClean="0"/>
-              <a:t> geometry and mounting is correct, it can lend significant strength to the chassis, allowing you to use thinner tube</a:t>
+              <a:t>Reusable modules</a:t>
+            </a:r>
+          </a:p>
+          <a:p>
+            <a:pPr lvl="1"/>
+            <a:r>
+              <a:rPr lang="en-US" dirty="0" smtClean="0"/>
+              <a:t>Better testing</a:t>
+            </a:r>
+          </a:p>
+          <a:p>
+            <a:r>
+              <a:rPr lang="en-US" dirty="0" smtClean="0"/>
+              <a:t>Disadvantages</a:t>
+            </a:r>
+          </a:p>
+          <a:p>
+            <a:pPr lvl="1"/>
+            <a:r>
+              <a:rPr lang="en-US" dirty="0" smtClean="0"/>
+              <a:t>Less efficient design</a:t>
+            </a:r>
+          </a:p>
+          <a:p>
+            <a:r>
+              <a:rPr lang="en-US" dirty="0" smtClean="0"/>
+              <a:t>How?</a:t>
+            </a:r>
+          </a:p>
+          <a:p>
+            <a:pPr lvl="1"/>
+            <a:r>
+              <a:rPr lang="en-US" dirty="0" smtClean="0"/>
+              <a:t>Define interfaces</a:t>
+            </a:r>
+          </a:p>
+          <a:p>
+            <a:pPr lvl="1"/>
+            <a:r>
+              <a:rPr lang="en-US" dirty="0" smtClean="0"/>
+              <a:t>Integrated product teams</a:t>
             </a:r>
             <a:endParaRPr lang="en-US" dirty="0"/>
           </a:p>
@@ -5245,7 +5157,7 @@
     </p:spTree>
     <p:extLst>
       <p:ext uri="{BB962C8B-B14F-4D97-AF65-F5344CB8AC3E}">
-        <p14:creationId xmlns:p14="http://schemas.microsoft.com/office/powerpoint/2010/main" val="4021378092"/>
+        <p14:creationId xmlns:p14="http://schemas.microsoft.com/office/powerpoint/2010/main" val="2007799366"/>
       </p:ext>
     </p:extLst>
   </p:cSld>
@@ -5262,7 +5174,7 @@
 </p:sld>
 </file>
 
-<file path=ppt/slides/slide4.xml><?xml version="1.0" encoding="utf-8"?>
+<file path=ppt/slides/slide3.xml><?xml version="1.0" encoding="utf-8"?>
 <p:sld xmlns:a="http://schemas.openxmlformats.org/drawingml/2006/main" xmlns:r="http://schemas.openxmlformats.org/officeDocument/2006/relationships" xmlns:p="http://schemas.openxmlformats.org/presentationml/2006/main">
   <p:cSld>
     <p:spTree>
@@ -5616,6 +5528,124 @@
 </p:sld>
 </file>
 
+<file path=ppt/slides/slide4.xml><?xml version="1.0" encoding="utf-8"?>
+<p:sld xmlns:a="http://schemas.openxmlformats.org/drawingml/2006/main" xmlns:r="http://schemas.openxmlformats.org/officeDocument/2006/relationships" xmlns:p="http://schemas.openxmlformats.org/presentationml/2006/main">
+  <p:cSld>
+    <p:spTree>
+      <p:nvGrpSpPr>
+        <p:cNvPr id="1" name=""/>
+        <p:cNvGrpSpPr/>
+        <p:nvPr/>
+      </p:nvGrpSpPr>
+      <p:grpSpPr>
+        <a:xfrm>
+          <a:off x="0" y="0"/>
+          <a:ext cx="0" cy="0"/>
+          <a:chOff x="0" y="0"/>
+          <a:chExt cx="0" cy="0"/>
+        </a:xfrm>
+      </p:grpSpPr>
+      <p:sp>
+        <p:nvSpPr>
+          <p:cNvPr id="2" name="Title 1"/>
+          <p:cNvSpPr>
+            <a:spLocks noGrp="1"/>
+          </p:cNvSpPr>
+          <p:nvPr>
+            <p:ph type="title"/>
+          </p:nvPr>
+        </p:nvSpPr>
+        <p:spPr/>
+        <p:txBody>
+          <a:bodyPr/>
+          <a:lstStyle/>
+          <a:p>
+            <a:r>
+              <a:rPr lang="en-US" dirty="0" smtClean="0"/>
+              <a:t>Integration</a:t>
+            </a:r>
+            <a:endParaRPr lang="en-US" dirty="0"/>
+          </a:p>
+        </p:txBody>
+      </p:sp>
+      <p:sp>
+        <p:nvSpPr>
+          <p:cNvPr id="3" name="Content Placeholder 2"/>
+          <p:cNvSpPr>
+            <a:spLocks noGrp="1"/>
+          </p:cNvSpPr>
+          <p:nvPr>
+            <p:ph idx="1"/>
+          </p:nvPr>
+        </p:nvSpPr>
+        <p:spPr/>
+        <p:txBody>
+          <a:bodyPr/>
+          <a:lstStyle/>
+          <a:p>
+            <a:r>
+              <a:rPr lang="en-US" dirty="0" smtClean="0"/>
+              <a:t>Our robots tend to be very “tightly” integrated</a:t>
+            </a:r>
+          </a:p>
+          <a:p>
+            <a:pPr lvl="1"/>
+            <a:r>
+              <a:rPr lang="en-US" dirty="0" smtClean="0"/>
+              <a:t>Many control system components built into the superstructure</a:t>
+            </a:r>
+          </a:p>
+          <a:p>
+            <a:pPr lvl="1"/>
+            <a:r>
+              <a:rPr lang="en-US" dirty="0" smtClean="0"/>
+              <a:t>Electronics bolted to </a:t>
+            </a:r>
+            <a:r>
+              <a:rPr lang="en-US" dirty="0" err="1" smtClean="0"/>
+              <a:t>bellypan</a:t>
+            </a:r>
+            <a:r>
+              <a:rPr lang="en-US" dirty="0" smtClean="0"/>
+              <a:t>, then wired together</a:t>
+            </a:r>
+          </a:p>
+          <a:p>
+            <a:pPr lvl="1"/>
+            <a:r>
+              <a:rPr lang="en-US" dirty="0" smtClean="0"/>
+              <a:t>Many structural components also serve as wire management</a:t>
+            </a:r>
+          </a:p>
+          <a:p>
+            <a:r>
+              <a:rPr lang="en-US" dirty="0" smtClean="0"/>
+              <a:t>Try swapping the PDP on the 2019 bot…</a:t>
+            </a:r>
+            <a:endParaRPr lang="en-US" dirty="0"/>
+          </a:p>
+        </p:txBody>
+      </p:sp>
+    </p:spTree>
+    <p:extLst>
+      <p:ext uri="{BB962C8B-B14F-4D97-AF65-F5344CB8AC3E}">
+        <p14:creationId xmlns:p14="http://schemas.microsoft.com/office/powerpoint/2010/main" val="987153792"/>
+      </p:ext>
+    </p:extLst>
+  </p:cSld>
+  <p:clrMapOvr>
+    <a:masterClrMapping/>
+  </p:clrMapOvr>
+  <p:timing>
+    <p:tnLst>
+      <p:par>
+        <p:cTn id="1" dur="indefinite" restart="never" nodeType="tmRoot"/>
+      </p:par>
+    </p:tnLst>
+  </p:timing>
+</p:sld>
+</file>
+
 <file path=ppt/slides/slide5.xml><?xml version="1.0" encoding="utf-8"?>
 <p:sld xmlns:a="http://schemas.openxmlformats.org/drawingml/2006/main" xmlns:r="http://schemas.openxmlformats.org/officeDocument/2006/relationships" xmlns:p="http://schemas.openxmlformats.org/presentationml/2006/main">
   <p:cSld>
@@ -5650,7 +5680,7 @@
           <a:p>
             <a:r>
               <a:rPr lang="en-US" dirty="0" smtClean="0"/>
-              <a:t>Integration</a:t>
+              <a:t>Modularity</a:t>
             </a:r>
             <a:endParaRPr lang="en-US" dirty="0"/>
           </a:p>
@@ -5673,48 +5703,41 @@
           <a:p>
             <a:r>
               <a:rPr lang="en-US" dirty="0" smtClean="0"/>
-              <a:t>Our robots tend to be very highly integrated</a:t>
-            </a:r>
-          </a:p>
-          <a:p>
-            <a:r>
-              <a:rPr lang="en-US" dirty="0" smtClean="0"/>
-              <a:t>Many control system components built into the superstructure</a:t>
-            </a:r>
-          </a:p>
-          <a:p>
-            <a:r>
-              <a:rPr lang="en-US" dirty="0" smtClean="0"/>
-              <a:t>Electronics bolted to </a:t>
-            </a:r>
-            <a:r>
-              <a:rPr lang="en-US" dirty="0" err="1" smtClean="0"/>
-              <a:t>bellypan</a:t>
-            </a:r>
-            <a:r>
-              <a:rPr lang="en-US" dirty="0" smtClean="0"/>
-              <a:t>, then wired together</a:t>
-            </a:r>
-          </a:p>
-          <a:p>
-            <a:r>
-              <a:rPr lang="en-US" dirty="0" smtClean="0"/>
-              <a:t>Many structural components also serve as wire management</a:t>
-            </a:r>
-          </a:p>
-          <a:p>
-            <a:r>
-              <a:rPr lang="en-US" dirty="0" smtClean="0"/>
-              <a:t>Try swapping the PDP on the 2019 bot…</a:t>
-            </a:r>
-            <a:endParaRPr lang="en-US" dirty="0"/>
+              <a:t>What is modularity?</a:t>
+            </a:r>
+          </a:p>
+          <a:p>
+            <a:r>
+              <a:rPr lang="en-US" dirty="0" smtClean="0"/>
+              <a:t>Composition becomes more hierarchical </a:t>
+            </a:r>
+          </a:p>
+          <a:p>
+            <a:r>
+              <a:rPr lang="en-US" dirty="0" smtClean="0"/>
+              <a:t>Instead of a robot made of components, the robot is made of subsystems</a:t>
+            </a:r>
+          </a:p>
+          <a:p>
+            <a:r>
+              <a:rPr lang="en-US" dirty="0" smtClean="0"/>
+              <a:t>Subsystems are independently designed, built, and tested </a:t>
+            </a:r>
+            <a:r>
+              <a:rPr lang="en-US" i="1" dirty="0" smtClean="0"/>
+              <a:t>before</a:t>
+            </a:r>
+            <a:r>
+              <a:rPr lang="en-US" dirty="0" smtClean="0"/>
+              <a:t> being assembled into “the robot”</a:t>
+            </a:r>
           </a:p>
         </p:txBody>
       </p:sp>
     </p:spTree>
     <p:extLst>
       <p:ext uri="{BB962C8B-B14F-4D97-AF65-F5344CB8AC3E}">
-        <p14:creationId xmlns:p14="http://schemas.microsoft.com/office/powerpoint/2010/main" val="987153792"/>
+        <p14:creationId xmlns:p14="http://schemas.microsoft.com/office/powerpoint/2010/main" val="27756183"/>
       </p:ext>
     </p:extLst>
   </p:cSld>
@@ -5765,45 +5788,63 @@
           <a:p>
             <a:r>
               <a:rPr lang="en-US" dirty="0" smtClean="0"/>
-              <a:t>Process Flow</a:t>
+              <a:t>Modularity</a:t>
             </a:r>
             <a:endParaRPr lang="en-US" dirty="0"/>
           </a:p>
         </p:txBody>
       </p:sp>
-      <p:pic>
-        <p:nvPicPr>
-          <p:cNvPr id="8" name="Content Placeholder 7"/>
-          <p:cNvPicPr>
-            <a:picLocks noGrp="1" noChangeAspect="1"/>
-          </p:cNvPicPr>
+      <p:sp>
+        <p:nvSpPr>
+          <p:cNvPr id="3" name="Content Placeholder 2"/>
+          <p:cNvSpPr>
+            <a:spLocks noGrp="1"/>
+          </p:cNvSpPr>
           <p:nvPr>
             <p:ph idx="1"/>
           </p:nvPr>
-        </p:nvPicPr>
-        <p:blipFill>
-          <a:blip r:embed="rId2">
-            <a:extLst>
-              <a:ext uri="{28A0092B-C50C-407E-A947-70E740481C1C}">
-                <a14:useLocalDpi xmlns:a14="http://schemas.microsoft.com/office/drawing/2010/main" val="0"/>
-              </a:ext>
-            </a:extLst>
-          </a:blip>
-          <a:stretch>
-            <a:fillRect/>
-          </a:stretch>
-        </p:blipFill>
-        <p:spPr>
-          <a:xfrm>
-            <a:off x="457200" y="3020755"/>
-            <a:ext cx="8229600" cy="1352345"/>
-          </a:xfrm>
-        </p:spPr>
-      </p:pic>
+        </p:nvSpPr>
+        <p:spPr/>
+        <p:txBody>
+          <a:bodyPr/>
+          <a:lstStyle/>
+          <a:p>
+            <a:r>
+              <a:rPr lang="en-US" dirty="0" smtClean="0"/>
+              <a:t>Subsystems should be well </a:t>
+            </a:r>
+            <a:r>
+              <a:rPr lang="en-US" i="1" dirty="0" smtClean="0"/>
+              <a:t>encapsulated </a:t>
+            </a:r>
+            <a:r>
+              <a:rPr lang="en-US" dirty="0" smtClean="0"/>
+              <a:t>(software engineering term)</a:t>
+            </a:r>
+          </a:p>
+          <a:p>
+            <a:r>
+              <a:rPr lang="en-US" dirty="0"/>
+              <a:t>“Things outside the boundary don’t affect things inside the boundary”</a:t>
+            </a:r>
+          </a:p>
+          <a:p>
+            <a:r>
+              <a:rPr lang="en-US" dirty="0" smtClean="0"/>
+              <a:t>Things outside the boundary only need to care about the </a:t>
+            </a:r>
+            <a:r>
+              <a:rPr lang="en-US" i="1" dirty="0" smtClean="0"/>
+              <a:t>interface</a:t>
+            </a:r>
+            <a:endParaRPr lang="en-US" dirty="0"/>
+          </a:p>
+        </p:txBody>
+      </p:sp>
     </p:spTree>
     <p:extLst>
       <p:ext uri="{BB962C8B-B14F-4D97-AF65-F5344CB8AC3E}">
-        <p14:creationId xmlns:p14="http://schemas.microsoft.com/office/powerpoint/2010/main" val="1822466254"/>
+        <p14:creationId xmlns:p14="http://schemas.microsoft.com/office/powerpoint/2010/main" val="1951821566"/>
       </p:ext>
     </p:extLst>
   </p:cSld>
@@ -5854,7 +5895,7 @@
           <a:p>
             <a:r>
               <a:rPr lang="en-US" dirty="0" smtClean="0"/>
-              <a:t>Problems With “Waterfall” Process</a:t>
+              <a:t>Example</a:t>
             </a:r>
             <a:endParaRPr lang="en-US" dirty="0"/>
           </a:p>
@@ -5877,53 +5918,33 @@
           <a:p>
             <a:r>
               <a:rPr lang="en-US" dirty="0" smtClean="0"/>
-              <a:t>Allows a high level of integration, because the entire robot is being designed in one process</a:t>
-            </a:r>
-          </a:p>
-          <a:p>
-            <a:r>
-              <a:rPr lang="en-US" dirty="0" smtClean="0"/>
-              <a:t>Introduces dependencies between processes</a:t>
-            </a:r>
-          </a:p>
-          <a:p>
-            <a:pPr lvl="1"/>
-            <a:r>
-              <a:rPr lang="en-US" dirty="0" smtClean="0"/>
-              <a:t>Can’t make sure </a:t>
-            </a:r>
-            <a:r>
-              <a:rPr lang="en-US" dirty="0" err="1" smtClean="0"/>
-              <a:t>WiFi</a:t>
-            </a:r>
-            <a:r>
-              <a:rPr lang="en-US" dirty="0" smtClean="0"/>
-              <a:t> works until robot is wired, which can’t happen until robot is assembled</a:t>
-            </a:r>
-          </a:p>
-          <a:p>
-            <a:r>
-              <a:rPr lang="en-US" dirty="0" smtClean="0"/>
-              <a:t>Boom-and-bust workload for </a:t>
-            </a:r>
-            <a:r>
-              <a:rPr lang="en-US" dirty="0" err="1" smtClean="0"/>
-              <a:t>subteams</a:t>
-            </a:r>
-            <a:endParaRPr lang="en-US" dirty="0"/>
-          </a:p>
-          <a:p>
-            <a:pPr lvl="1"/>
-            <a:r>
-              <a:rPr lang="en-US" dirty="0" smtClean="0"/>
-              <a:t>The control system team can’t start programming the robot until the robot is mostly done</a:t>
-            </a:r>
-          </a:p>
-          <a:p>
-            <a:pPr lvl="1"/>
-            <a:r>
-              <a:rPr lang="en-US" dirty="0" smtClean="0"/>
-              <a:t>Applies to manufacturing, to a more limited extent</a:t>
+              <a:t>We (JPL) are building a spacecraft, and we want to put a camera on it</a:t>
+            </a:r>
+          </a:p>
+          <a:p>
+            <a:r>
+              <a:rPr lang="en-US" dirty="0" smtClean="0"/>
+              <a:t>We contract out the design &amp; manufacture of the camera</a:t>
+            </a:r>
+          </a:p>
+          <a:p>
+            <a:r>
+              <a:rPr lang="en-US" dirty="0" smtClean="0"/>
+              <a:t>But how do we make sure the camera will work correctly with the rest of the spacecraft?</a:t>
+            </a:r>
+          </a:p>
+          <a:p>
+            <a:r>
+              <a:rPr lang="en-US" dirty="0" smtClean="0"/>
+              <a:t>We agree on the </a:t>
+            </a:r>
+            <a:r>
+              <a:rPr lang="en-US" i="1" dirty="0" smtClean="0"/>
+              <a:t>interfaces</a:t>
+            </a:r>
+            <a:r>
+              <a:rPr lang="en-US" dirty="0" smtClean="0"/>
+              <a:t>, in the form of an ICD (Interface Control Document)</a:t>
             </a:r>
             <a:endParaRPr lang="en-US" dirty="0"/>
           </a:p>
@@ -5932,7 +5953,7 @@
     </p:spTree>
     <p:extLst>
       <p:ext uri="{BB962C8B-B14F-4D97-AF65-F5344CB8AC3E}">
-        <p14:creationId xmlns:p14="http://schemas.microsoft.com/office/powerpoint/2010/main" val="4168665192"/>
+        <p14:creationId xmlns:p14="http://schemas.microsoft.com/office/powerpoint/2010/main" val="2475627845"/>
       </p:ext>
     </p:extLst>
   </p:cSld>
@@ -5942,7 +5963,79 @@
   <p:timing>
     <p:tnLst>
       <p:par>
-        <p:cTn id="1" dur="indefinite" restart="never" nodeType="tmRoot"/>
+        <p:cTn id="1" dur="indefinite" restart="never" nodeType="tmRoot">
+          <p:childTnLst>
+            <p:seq concurrent="1" nextAc="seek">
+              <p:cTn id="2" dur="indefinite" nodeType="mainSeq">
+                <p:childTnLst>
+                  <p:par>
+                    <p:cTn id="3" fill="hold">
+                      <p:stCondLst>
+                        <p:cond delay="indefinite"/>
+                      </p:stCondLst>
+                      <p:childTnLst>
+                        <p:par>
+                          <p:cTn id="4" fill="hold">
+                            <p:stCondLst>
+                              <p:cond delay="0"/>
+                            </p:stCondLst>
+                            <p:childTnLst>
+                              <p:par>
+                                <p:cTn id="5" presetID="1" presetClass="entr" presetSubtype="0" fill="hold" nodeType="clickEffect">
+                                  <p:stCondLst>
+                                    <p:cond delay="0"/>
+                                  </p:stCondLst>
+                                  <p:childTnLst>
+                                    <p:set>
+                                      <p:cBhvr>
+                                        <p:cTn id="6" dur="1" fill="hold">
+                                          <p:stCondLst>
+                                            <p:cond delay="0"/>
+                                          </p:stCondLst>
+                                        </p:cTn>
+                                        <p:tgtEl>
+                                          <p:spTgt spid="3">
+                                            <p:txEl>
+                                              <p:pRg st="3" end="3"/>
+                                            </p:txEl>
+                                          </p:spTgt>
+                                        </p:tgtEl>
+                                        <p:attrNameLst>
+                                          <p:attrName>style.visibility</p:attrName>
+                                        </p:attrNameLst>
+                                      </p:cBhvr>
+                                      <p:to>
+                                        <p:strVal val="visible"/>
+                                      </p:to>
+                                    </p:set>
+                                  </p:childTnLst>
+                                </p:cTn>
+                              </p:par>
+                            </p:childTnLst>
+                          </p:cTn>
+                        </p:par>
+                      </p:childTnLst>
+                    </p:cTn>
+                  </p:par>
+                </p:childTnLst>
+              </p:cTn>
+              <p:prevCondLst>
+                <p:cond evt="onPrev" delay="0">
+                  <p:tgtEl>
+                    <p:sldTgt/>
+                  </p:tgtEl>
+                </p:cond>
+              </p:prevCondLst>
+              <p:nextCondLst>
+                <p:cond evt="onNext" delay="0">
+                  <p:tgtEl>
+                    <p:sldTgt/>
+                  </p:tgtEl>
+                </p:cond>
+              </p:nextCondLst>
+            </p:seq>
+          </p:childTnLst>
+        </p:cTn>
       </p:par>
     </p:tnLst>
   </p:timing>
@@ -5983,7 +6076,7 @@
           <a:p>
             <a:r>
               <a:rPr lang="en-US" dirty="0" smtClean="0"/>
-              <a:t>Modularity</a:t>
+              <a:t>Example</a:t>
             </a:r>
             <a:endParaRPr lang="en-US" dirty="0"/>
           </a:p>
@@ -6006,41 +6099,61 @@
           <a:p>
             <a:r>
               <a:rPr lang="en-US" dirty="0" smtClean="0"/>
-              <a:t>What is modularity?</a:t>
-            </a:r>
-          </a:p>
-          <a:p>
-            <a:r>
-              <a:rPr lang="en-US" dirty="0" smtClean="0"/>
-              <a:t>Composition becomes more hierarchical </a:t>
-            </a:r>
-          </a:p>
-          <a:p>
-            <a:r>
-              <a:rPr lang="en-US" dirty="0" smtClean="0"/>
-              <a:t>Instead of a robot made of components, the robot is made of subsystems</a:t>
-            </a:r>
-          </a:p>
-          <a:p>
-            <a:r>
-              <a:rPr lang="en-US" dirty="0" smtClean="0"/>
-              <a:t>Subsystems are independently designed, built, and tested </a:t>
-            </a:r>
+              <a:t>Mechanical ICD (MICD)</a:t>
+            </a:r>
+          </a:p>
+          <a:p>
+            <a:pPr lvl="1"/>
+            <a:r>
+              <a:rPr lang="en-US" dirty="0" smtClean="0"/>
+              <a:t>Mass</a:t>
+            </a:r>
+          </a:p>
+          <a:p>
+            <a:pPr lvl="1"/>
+            <a:r>
+              <a:rPr lang="en-US" dirty="0" smtClean="0"/>
+              <a:t>Center of mass</a:t>
+            </a:r>
+          </a:p>
+          <a:p>
+            <a:pPr lvl="1"/>
             <a:r>
               <a:rPr lang="en-US" i="1" dirty="0" smtClean="0"/>
-              <a:t>before</a:t>
-            </a:r>
-            <a:r>
-              <a:rPr lang="en-US" dirty="0" smtClean="0"/>
-              <a:t> being assembled into “the robot”</a:t>
-            </a:r>
-          </a:p>
-        </p:txBody>
-      </p:sp>
+              <a:t>Envelopes</a:t>
+            </a:r>
+            <a:endParaRPr lang="en-US" i="1" dirty="0"/>
+          </a:p>
+        </p:txBody>
+      </p:sp>
+      <p:pic>
+        <p:nvPicPr>
+          <p:cNvPr id="4" name="Picture 3"/>
+          <p:cNvPicPr>
+            <a:picLocks noChangeAspect="1"/>
+          </p:cNvPicPr>
+          <p:nvPr/>
+        </p:nvPicPr>
+        <p:blipFill>
+          <a:blip r:embed="rId2"/>
+          <a:stretch>
+            <a:fillRect/>
+          </a:stretch>
+        </p:blipFill>
+        <p:spPr>
+          <a:xfrm>
+            <a:off x="2594350" y="2858443"/>
+            <a:ext cx="6549650" cy="3999557"/>
+          </a:xfrm>
+          <a:prstGeom prst="rect">
+            <a:avLst/>
+          </a:prstGeom>
+        </p:spPr>
+      </p:pic>
     </p:spTree>
     <p:extLst>
       <p:ext uri="{BB962C8B-B14F-4D97-AF65-F5344CB8AC3E}">
-        <p14:creationId xmlns:p14="http://schemas.microsoft.com/office/powerpoint/2010/main" val="27756183"/>
+        <p14:creationId xmlns:p14="http://schemas.microsoft.com/office/powerpoint/2010/main" val="2210633231"/>
       </p:ext>
     </p:extLst>
   </p:cSld>
@@ -6091,7 +6204,7 @@
           <a:p>
             <a:r>
               <a:rPr lang="en-US" dirty="0" smtClean="0"/>
-              <a:t>Modularity</a:t>
+              <a:t>Example</a:t>
             </a:r>
             <a:endParaRPr lang="en-US" dirty="0"/>
           </a:p>
@@ -6114,45 +6227,28 @@
           <a:p>
             <a:r>
               <a:rPr lang="en-US" dirty="0" smtClean="0"/>
-              <a:t>Instead of the robot being highly integrated, the </a:t>
-            </a:r>
-            <a:r>
-              <a:rPr lang="en-US" i="1" dirty="0" smtClean="0"/>
-              <a:t>subsystems</a:t>
-            </a:r>
-            <a:r>
-              <a:rPr lang="en-US" dirty="0" smtClean="0"/>
-              <a:t> are highly integrated</a:t>
-            </a:r>
-          </a:p>
-          <a:p>
-            <a:r>
-              <a:rPr lang="en-US" dirty="0" smtClean="0"/>
-              <a:t>Subsystems should be well </a:t>
-            </a:r>
-            <a:r>
-              <a:rPr lang="en-US" i="1" dirty="0" smtClean="0"/>
-              <a:t>encapsulated </a:t>
-            </a:r>
-            <a:r>
-              <a:rPr lang="en-US" dirty="0" smtClean="0"/>
-              <a:t>(software engineering term)</a:t>
-            </a:r>
-          </a:p>
-          <a:p>
-            <a:r>
-              <a:rPr lang="en-US" dirty="0"/>
-              <a:t>“Things outside the boundary don’t affect things inside the boundary”</a:t>
-            </a:r>
-          </a:p>
-          <a:p>
-            <a:r>
-              <a:rPr lang="en-US" dirty="0" smtClean="0"/>
-              <a:t>Things outside the boundary only need to care about the </a:t>
-            </a:r>
-            <a:r>
-              <a:rPr lang="en-US" i="1" dirty="0" smtClean="0"/>
-              <a:t>interface</a:t>
+              <a:t>Electrical ICD (EICD)</a:t>
+            </a:r>
+          </a:p>
+          <a:p>
+            <a:pPr lvl="1"/>
+            <a:r>
+              <a:rPr lang="en-US" dirty="0" smtClean="0"/>
+              <a:t>Power requirements</a:t>
+            </a:r>
+          </a:p>
+          <a:p>
+            <a:pPr lvl="1"/>
+            <a:r>
+              <a:rPr lang="en-US" dirty="0" smtClean="0"/>
+              <a:t>Connectors &amp; pinouts</a:t>
+            </a:r>
+          </a:p>
+          <a:p>
+            <a:pPr lvl="1"/>
+            <a:r>
+              <a:rPr lang="en-US" dirty="0" smtClean="0"/>
+              <a:t>Data transfer (Ethernet, serial, etc.)</a:t>
             </a:r>
             <a:endParaRPr lang="en-US" dirty="0"/>
           </a:p>
@@ -6161,7 +6257,7 @@
     </p:spTree>
     <p:extLst>
       <p:ext uri="{BB962C8B-B14F-4D97-AF65-F5344CB8AC3E}">
-        <p14:creationId xmlns:p14="http://schemas.microsoft.com/office/powerpoint/2010/main" val="1951821566"/>
+        <p14:creationId xmlns:p14="http://schemas.microsoft.com/office/powerpoint/2010/main" val="3051302333"/>
       </p:ext>
     </p:extLst>
   </p:cSld>

--- a/Line-Replaceable Units.pptx
+++ b/Line-Replaceable Units.pptx
@@ -12,22 +12,23 @@
     <p:sldId id="271" r:id="rId6"/>
     <p:sldId id="272" r:id="rId7"/>
     <p:sldId id="273" r:id="rId8"/>
-    <p:sldId id="274" r:id="rId9"/>
-    <p:sldId id="276" r:id="rId10"/>
-    <p:sldId id="277" r:id="rId11"/>
-    <p:sldId id="275" r:id="rId12"/>
-    <p:sldId id="278" r:id="rId13"/>
-    <p:sldId id="280" r:id="rId14"/>
-    <p:sldId id="270" r:id="rId15"/>
-    <p:sldId id="268" r:id="rId16"/>
-    <p:sldId id="279" r:id="rId17"/>
-    <p:sldId id="269" r:id="rId18"/>
-    <p:sldId id="258" r:id="rId19"/>
-    <p:sldId id="265" r:id="rId20"/>
-    <p:sldId id="267" r:id="rId21"/>
-    <p:sldId id="259" r:id="rId22"/>
-    <p:sldId id="260" r:id="rId23"/>
-    <p:sldId id="281" r:id="rId24"/>
+    <p:sldId id="282" r:id="rId9"/>
+    <p:sldId id="274" r:id="rId10"/>
+    <p:sldId id="276" r:id="rId11"/>
+    <p:sldId id="277" r:id="rId12"/>
+    <p:sldId id="275" r:id="rId13"/>
+    <p:sldId id="278" r:id="rId14"/>
+    <p:sldId id="280" r:id="rId15"/>
+    <p:sldId id="270" r:id="rId16"/>
+    <p:sldId id="268" r:id="rId17"/>
+    <p:sldId id="279" r:id="rId18"/>
+    <p:sldId id="269" r:id="rId19"/>
+    <p:sldId id="258" r:id="rId20"/>
+    <p:sldId id="265" r:id="rId21"/>
+    <p:sldId id="267" r:id="rId22"/>
+    <p:sldId id="259" r:id="rId23"/>
+    <p:sldId id="260" r:id="rId24"/>
+    <p:sldId id="281" r:id="rId25"/>
   </p:sldIdLst>
   <p:sldSz cx="9144000" cy="6858000" type="screen4x3"/>
   <p:notesSz cx="6858000" cy="9144000"/>
@@ -126,6 +127,11 @@
       </a:defRPr>
     </a:lvl9pPr>
   </p:defaultTextStyle>
+  <p:extLst>
+    <p:ext uri="{EFAFB233-063F-42B5-8137-9DF3F51BA10A}">
+      <p15:sldGuideLst xmlns:p15="http://schemas.microsoft.com/office/powerpoint/2012/main"/>
+    </p:ext>
+  </p:extLst>
 </p:presentation>
 </file>
 
@@ -167,10 +173,9 @@
           <a:lstStyle/>
           <a:p>
             <a:r>
-              <a:rPr lang="en-US" smtClean="0"/>
+              <a:rPr lang="en-US"/>
               <a:t>Click to edit Master title style</a:t>
             </a:r>
-            <a:endParaRPr lang="en-US"/>
           </a:p>
         </p:txBody>
       </p:sp>
@@ -286,10 +291,9 @@
           </a:lstStyle>
           <a:p>
             <a:r>
-              <a:rPr lang="en-US" smtClean="0"/>
+              <a:rPr lang="en-US"/>
               <a:t>Click to edit Master subtitle style</a:t>
             </a:r>
-            <a:endParaRPr lang="en-US"/>
           </a:p>
         </p:txBody>
       </p:sp>
@@ -310,7 +314,7 @@
           <a:p>
             <a:fld id="{A593004C-F44D-4D67-B064-835525FF989D}" type="datetimeFigureOut">
               <a:rPr lang="en-US" smtClean="0"/>
-              <a:t>9/3/2019</a:t>
+              <a:t>9/9/2019</a:t>
             </a:fld>
             <a:endParaRPr lang="en-US"/>
           </a:p>
@@ -404,10 +408,9 @@
           <a:lstStyle/>
           <a:p>
             <a:r>
-              <a:rPr lang="en-US" smtClean="0"/>
+              <a:rPr lang="en-US"/>
               <a:t>Click to edit Master title style</a:t>
             </a:r>
-            <a:endParaRPr lang="en-US"/>
           </a:p>
         </p:txBody>
       </p:sp>
@@ -428,38 +431,37 @@
           <a:p>
             <a:pPr lvl="0"/>
             <a:r>
-              <a:rPr lang="en-US" smtClean="0"/>
+              <a:rPr lang="en-US"/>
               <a:t>Edit Master text styles</a:t>
             </a:r>
           </a:p>
           <a:p>
             <a:pPr lvl="1"/>
             <a:r>
-              <a:rPr lang="en-US" smtClean="0"/>
+              <a:rPr lang="en-US"/>
               <a:t>Second level</a:t>
             </a:r>
           </a:p>
           <a:p>
             <a:pPr lvl="2"/>
             <a:r>
-              <a:rPr lang="en-US" smtClean="0"/>
+              <a:rPr lang="en-US"/>
               <a:t>Third level</a:t>
             </a:r>
           </a:p>
           <a:p>
             <a:pPr lvl="3"/>
             <a:r>
-              <a:rPr lang="en-US" smtClean="0"/>
+              <a:rPr lang="en-US"/>
               <a:t>Fourth level</a:t>
             </a:r>
           </a:p>
           <a:p>
             <a:pPr lvl="4"/>
             <a:r>
-              <a:rPr lang="en-US" smtClean="0"/>
+              <a:rPr lang="en-US"/>
               <a:t>Fifth level</a:t>
             </a:r>
-            <a:endParaRPr lang="en-US"/>
           </a:p>
         </p:txBody>
       </p:sp>
@@ -480,7 +482,7 @@
           <a:p>
             <a:fld id="{A593004C-F44D-4D67-B064-835525FF989D}" type="datetimeFigureOut">
               <a:rPr lang="en-US" smtClean="0"/>
-              <a:t>9/3/2019</a:t>
+              <a:t>9/9/2019</a:t>
             </a:fld>
             <a:endParaRPr lang="en-US"/>
           </a:p>
@@ -579,10 +581,9 @@
           <a:lstStyle/>
           <a:p>
             <a:r>
-              <a:rPr lang="en-US" smtClean="0"/>
+              <a:rPr lang="en-US"/>
               <a:t>Click to edit Master title style</a:t>
             </a:r>
-            <a:endParaRPr lang="en-US"/>
           </a:p>
         </p:txBody>
       </p:sp>
@@ -608,38 +609,37 @@
           <a:p>
             <a:pPr lvl="0"/>
             <a:r>
-              <a:rPr lang="en-US" smtClean="0"/>
+              <a:rPr lang="en-US"/>
               <a:t>Edit Master text styles</a:t>
             </a:r>
           </a:p>
           <a:p>
             <a:pPr lvl="1"/>
             <a:r>
-              <a:rPr lang="en-US" smtClean="0"/>
+              <a:rPr lang="en-US"/>
               <a:t>Second level</a:t>
             </a:r>
           </a:p>
           <a:p>
             <a:pPr lvl="2"/>
             <a:r>
-              <a:rPr lang="en-US" smtClean="0"/>
+              <a:rPr lang="en-US"/>
               <a:t>Third level</a:t>
             </a:r>
           </a:p>
           <a:p>
             <a:pPr lvl="3"/>
             <a:r>
-              <a:rPr lang="en-US" smtClean="0"/>
+              <a:rPr lang="en-US"/>
               <a:t>Fourth level</a:t>
             </a:r>
           </a:p>
           <a:p>
             <a:pPr lvl="4"/>
             <a:r>
-              <a:rPr lang="en-US" smtClean="0"/>
+              <a:rPr lang="en-US"/>
               <a:t>Fifth level</a:t>
             </a:r>
-            <a:endParaRPr lang="en-US"/>
           </a:p>
         </p:txBody>
       </p:sp>
@@ -660,7 +660,7 @@
           <a:p>
             <a:fld id="{A593004C-F44D-4D67-B064-835525FF989D}" type="datetimeFigureOut">
               <a:rPr lang="en-US" smtClean="0"/>
-              <a:t>9/3/2019</a:t>
+              <a:t>9/9/2019</a:t>
             </a:fld>
             <a:endParaRPr lang="en-US"/>
           </a:p>
@@ -754,10 +754,9 @@
           <a:lstStyle/>
           <a:p>
             <a:r>
-              <a:rPr lang="en-US" smtClean="0"/>
+              <a:rPr lang="en-US"/>
               <a:t>Click to edit Master title style</a:t>
             </a:r>
-            <a:endParaRPr lang="en-US"/>
           </a:p>
         </p:txBody>
       </p:sp>
@@ -778,38 +777,37 @@
           <a:p>
             <a:pPr lvl="0"/>
             <a:r>
-              <a:rPr lang="en-US" smtClean="0"/>
+              <a:rPr lang="en-US"/>
               <a:t>Edit Master text styles</a:t>
             </a:r>
           </a:p>
           <a:p>
             <a:pPr lvl="1"/>
             <a:r>
-              <a:rPr lang="en-US" smtClean="0"/>
+              <a:rPr lang="en-US"/>
               <a:t>Second level</a:t>
             </a:r>
           </a:p>
           <a:p>
             <a:pPr lvl="2"/>
             <a:r>
-              <a:rPr lang="en-US" smtClean="0"/>
+              <a:rPr lang="en-US"/>
               <a:t>Third level</a:t>
             </a:r>
           </a:p>
           <a:p>
             <a:pPr lvl="3"/>
             <a:r>
-              <a:rPr lang="en-US" smtClean="0"/>
+              <a:rPr lang="en-US"/>
               <a:t>Fourth level</a:t>
             </a:r>
           </a:p>
           <a:p>
             <a:pPr lvl="4"/>
             <a:r>
-              <a:rPr lang="en-US" smtClean="0"/>
+              <a:rPr lang="en-US"/>
               <a:t>Fifth level</a:t>
             </a:r>
-            <a:endParaRPr lang="en-US"/>
           </a:p>
         </p:txBody>
       </p:sp>
@@ -830,7 +828,7 @@
           <a:p>
             <a:fld id="{A593004C-F44D-4D67-B064-835525FF989D}" type="datetimeFigureOut">
               <a:rPr lang="en-US" smtClean="0"/>
-              <a:t>9/3/2019</a:t>
+              <a:t>9/9/2019</a:t>
             </a:fld>
             <a:endParaRPr lang="en-US"/>
           </a:p>
@@ -933,10 +931,9 @@
           </a:lstStyle>
           <a:p>
             <a:r>
-              <a:rPr lang="en-US" smtClean="0"/>
+              <a:rPr lang="en-US"/>
               <a:t>Click to edit Master title style</a:t>
             </a:r>
-            <a:endParaRPr lang="en-US"/>
           </a:p>
         </p:txBody>
       </p:sp>
@@ -1053,7 +1050,7 @@
           <a:p>
             <a:pPr lvl="0"/>
             <a:r>
-              <a:rPr lang="en-US" smtClean="0"/>
+              <a:rPr lang="en-US"/>
               <a:t>Edit Master text styles</a:t>
             </a:r>
           </a:p>
@@ -1076,7 +1073,7 @@
           <a:p>
             <a:fld id="{A593004C-F44D-4D67-B064-835525FF989D}" type="datetimeFigureOut">
               <a:rPr lang="en-US" smtClean="0"/>
-              <a:t>9/3/2019</a:t>
+              <a:t>9/9/2019</a:t>
             </a:fld>
             <a:endParaRPr lang="en-US"/>
           </a:p>
@@ -1170,10 +1167,9 @@
           <a:lstStyle/>
           <a:p>
             <a:r>
-              <a:rPr lang="en-US" smtClean="0"/>
+              <a:rPr lang="en-US"/>
               <a:t>Click to edit Master title style</a:t>
             </a:r>
-            <a:endParaRPr lang="en-US"/>
           </a:p>
         </p:txBody>
       </p:sp>
@@ -1227,38 +1223,37 @@
           <a:p>
             <a:pPr lvl="0"/>
             <a:r>
-              <a:rPr lang="en-US" smtClean="0"/>
+              <a:rPr lang="en-US"/>
               <a:t>Edit Master text styles</a:t>
             </a:r>
           </a:p>
           <a:p>
             <a:pPr lvl="1"/>
             <a:r>
-              <a:rPr lang="en-US" smtClean="0"/>
+              <a:rPr lang="en-US"/>
               <a:t>Second level</a:t>
             </a:r>
           </a:p>
           <a:p>
             <a:pPr lvl="2"/>
             <a:r>
-              <a:rPr lang="en-US" smtClean="0"/>
+              <a:rPr lang="en-US"/>
               <a:t>Third level</a:t>
             </a:r>
           </a:p>
           <a:p>
             <a:pPr lvl="3"/>
             <a:r>
-              <a:rPr lang="en-US" smtClean="0"/>
+              <a:rPr lang="en-US"/>
               <a:t>Fourth level</a:t>
             </a:r>
           </a:p>
           <a:p>
             <a:pPr lvl="4"/>
             <a:r>
-              <a:rPr lang="en-US" smtClean="0"/>
+              <a:rPr lang="en-US"/>
               <a:t>Fifth level</a:t>
             </a:r>
-            <a:endParaRPr lang="en-US"/>
           </a:p>
         </p:txBody>
       </p:sp>
@@ -1312,38 +1307,37 @@
           <a:p>
             <a:pPr lvl="0"/>
             <a:r>
-              <a:rPr lang="en-US" smtClean="0"/>
+              <a:rPr lang="en-US"/>
               <a:t>Edit Master text styles</a:t>
             </a:r>
           </a:p>
           <a:p>
             <a:pPr lvl="1"/>
             <a:r>
-              <a:rPr lang="en-US" smtClean="0"/>
+              <a:rPr lang="en-US"/>
               <a:t>Second level</a:t>
             </a:r>
           </a:p>
           <a:p>
             <a:pPr lvl="2"/>
             <a:r>
-              <a:rPr lang="en-US" smtClean="0"/>
+              <a:rPr lang="en-US"/>
               <a:t>Third level</a:t>
             </a:r>
           </a:p>
           <a:p>
             <a:pPr lvl="3"/>
             <a:r>
-              <a:rPr lang="en-US" smtClean="0"/>
+              <a:rPr lang="en-US"/>
               <a:t>Fourth level</a:t>
             </a:r>
           </a:p>
           <a:p>
             <a:pPr lvl="4"/>
             <a:r>
-              <a:rPr lang="en-US" smtClean="0"/>
+              <a:rPr lang="en-US"/>
               <a:t>Fifth level</a:t>
             </a:r>
-            <a:endParaRPr lang="en-US"/>
           </a:p>
         </p:txBody>
       </p:sp>
@@ -1364,7 +1358,7 @@
           <a:p>
             <a:fld id="{A593004C-F44D-4D67-B064-835525FF989D}" type="datetimeFigureOut">
               <a:rPr lang="en-US" smtClean="0"/>
-              <a:t>9/3/2019</a:t>
+              <a:t>9/9/2019</a:t>
             </a:fld>
             <a:endParaRPr lang="en-US"/>
           </a:p>
@@ -1462,10 +1456,9 @@
           </a:lstStyle>
           <a:p>
             <a:r>
-              <a:rPr lang="en-US" smtClean="0"/>
+              <a:rPr lang="en-US"/>
               <a:t>Click to edit Master title style</a:t>
             </a:r>
-            <a:endParaRPr lang="en-US"/>
           </a:p>
         </p:txBody>
       </p:sp>
@@ -1528,7 +1521,7 @@
           <a:p>
             <a:pPr lvl="0"/>
             <a:r>
-              <a:rPr lang="en-US" smtClean="0"/>
+              <a:rPr lang="en-US"/>
               <a:t>Edit Master text styles</a:t>
             </a:r>
           </a:p>
@@ -1584,38 +1577,37 @@
           <a:p>
             <a:pPr lvl="0"/>
             <a:r>
-              <a:rPr lang="en-US" smtClean="0"/>
+              <a:rPr lang="en-US"/>
               <a:t>Edit Master text styles</a:t>
             </a:r>
           </a:p>
           <a:p>
             <a:pPr lvl="1"/>
             <a:r>
-              <a:rPr lang="en-US" smtClean="0"/>
+              <a:rPr lang="en-US"/>
               <a:t>Second level</a:t>
             </a:r>
           </a:p>
           <a:p>
             <a:pPr lvl="2"/>
             <a:r>
-              <a:rPr lang="en-US" smtClean="0"/>
+              <a:rPr lang="en-US"/>
               <a:t>Third level</a:t>
             </a:r>
           </a:p>
           <a:p>
             <a:pPr lvl="3"/>
             <a:r>
-              <a:rPr lang="en-US" smtClean="0"/>
+              <a:rPr lang="en-US"/>
               <a:t>Fourth level</a:t>
             </a:r>
           </a:p>
           <a:p>
             <a:pPr lvl="4"/>
             <a:r>
-              <a:rPr lang="en-US" smtClean="0"/>
+              <a:rPr lang="en-US"/>
               <a:t>Fifth level</a:t>
             </a:r>
-            <a:endParaRPr lang="en-US"/>
           </a:p>
         </p:txBody>
       </p:sp>
@@ -1678,7 +1670,7 @@
           <a:p>
             <a:pPr lvl="0"/>
             <a:r>
-              <a:rPr lang="en-US" smtClean="0"/>
+              <a:rPr lang="en-US"/>
               <a:t>Edit Master text styles</a:t>
             </a:r>
           </a:p>
@@ -1734,38 +1726,37 @@
           <a:p>
             <a:pPr lvl="0"/>
             <a:r>
-              <a:rPr lang="en-US" smtClean="0"/>
+              <a:rPr lang="en-US"/>
               <a:t>Edit Master text styles</a:t>
             </a:r>
           </a:p>
           <a:p>
             <a:pPr lvl="1"/>
             <a:r>
-              <a:rPr lang="en-US" smtClean="0"/>
+              <a:rPr lang="en-US"/>
               <a:t>Second level</a:t>
             </a:r>
           </a:p>
           <a:p>
             <a:pPr lvl="2"/>
             <a:r>
-              <a:rPr lang="en-US" smtClean="0"/>
+              <a:rPr lang="en-US"/>
               <a:t>Third level</a:t>
             </a:r>
           </a:p>
           <a:p>
             <a:pPr lvl="3"/>
             <a:r>
-              <a:rPr lang="en-US" smtClean="0"/>
+              <a:rPr lang="en-US"/>
               <a:t>Fourth level</a:t>
             </a:r>
           </a:p>
           <a:p>
             <a:pPr lvl="4"/>
             <a:r>
-              <a:rPr lang="en-US" smtClean="0"/>
+              <a:rPr lang="en-US"/>
               <a:t>Fifth level</a:t>
             </a:r>
-            <a:endParaRPr lang="en-US"/>
           </a:p>
         </p:txBody>
       </p:sp>
@@ -1786,7 +1777,7 @@
           <a:p>
             <a:fld id="{A593004C-F44D-4D67-B064-835525FF989D}" type="datetimeFigureOut">
               <a:rPr lang="en-US" smtClean="0"/>
-              <a:t>9/3/2019</a:t>
+              <a:t>9/9/2019</a:t>
             </a:fld>
             <a:endParaRPr lang="en-US"/>
           </a:p>
@@ -1880,10 +1871,9 @@
           <a:lstStyle/>
           <a:p>
             <a:r>
-              <a:rPr lang="en-US" smtClean="0"/>
+              <a:rPr lang="en-US"/>
               <a:t>Click to edit Master title style</a:t>
             </a:r>
-            <a:endParaRPr lang="en-US"/>
           </a:p>
         </p:txBody>
       </p:sp>
@@ -1904,7 +1894,7 @@
           <a:p>
             <a:fld id="{A593004C-F44D-4D67-B064-835525FF989D}" type="datetimeFigureOut">
               <a:rPr lang="en-US" smtClean="0"/>
-              <a:t>9/3/2019</a:t>
+              <a:t>9/9/2019</a:t>
             </a:fld>
             <a:endParaRPr lang="en-US"/>
           </a:p>
@@ -1999,7 +1989,7 @@
           <a:p>
             <a:fld id="{A593004C-F44D-4D67-B064-835525FF989D}" type="datetimeFigureOut">
               <a:rPr lang="en-US" smtClean="0"/>
-              <a:t>9/3/2019</a:t>
+              <a:t>9/9/2019</a:t>
             </a:fld>
             <a:endParaRPr lang="en-US"/>
           </a:p>
@@ -2102,10 +2092,9 @@
           </a:lstStyle>
           <a:p>
             <a:r>
-              <a:rPr lang="en-US" smtClean="0"/>
+              <a:rPr lang="en-US"/>
               <a:t>Click to edit Master title style</a:t>
             </a:r>
-            <a:endParaRPr lang="en-US"/>
           </a:p>
         </p:txBody>
       </p:sp>
@@ -2159,38 +2148,37 @@
           <a:p>
             <a:pPr lvl="0"/>
             <a:r>
-              <a:rPr lang="en-US" smtClean="0"/>
+              <a:rPr lang="en-US"/>
               <a:t>Edit Master text styles</a:t>
             </a:r>
           </a:p>
           <a:p>
             <a:pPr lvl="1"/>
             <a:r>
-              <a:rPr lang="en-US" smtClean="0"/>
+              <a:rPr lang="en-US"/>
               <a:t>Second level</a:t>
             </a:r>
           </a:p>
           <a:p>
             <a:pPr lvl="2"/>
             <a:r>
-              <a:rPr lang="en-US" smtClean="0"/>
+              <a:rPr lang="en-US"/>
               <a:t>Third level</a:t>
             </a:r>
           </a:p>
           <a:p>
             <a:pPr lvl="3"/>
             <a:r>
-              <a:rPr lang="en-US" smtClean="0"/>
+              <a:rPr lang="en-US"/>
               <a:t>Fourth level</a:t>
             </a:r>
           </a:p>
           <a:p>
             <a:pPr lvl="4"/>
             <a:r>
-              <a:rPr lang="en-US" smtClean="0"/>
+              <a:rPr lang="en-US"/>
               <a:t>Fifth level</a:t>
             </a:r>
-            <a:endParaRPr lang="en-US"/>
           </a:p>
         </p:txBody>
       </p:sp>
@@ -2253,7 +2241,7 @@
           <a:p>
             <a:pPr lvl="0"/>
             <a:r>
-              <a:rPr lang="en-US" smtClean="0"/>
+              <a:rPr lang="en-US"/>
               <a:t>Edit Master text styles</a:t>
             </a:r>
           </a:p>
@@ -2276,7 +2264,7 @@
           <a:p>
             <a:fld id="{A593004C-F44D-4D67-B064-835525FF989D}" type="datetimeFigureOut">
               <a:rPr lang="en-US" smtClean="0"/>
-              <a:t>9/3/2019</a:t>
+              <a:t>9/9/2019</a:t>
             </a:fld>
             <a:endParaRPr lang="en-US"/>
           </a:p>
@@ -2379,10 +2367,9 @@
           </a:lstStyle>
           <a:p>
             <a:r>
-              <a:rPr lang="en-US" smtClean="0"/>
+              <a:rPr lang="en-US"/>
               <a:t>Click to edit Master title style</a:t>
             </a:r>
-            <a:endParaRPr lang="en-US"/>
           </a:p>
         </p:txBody>
       </p:sp>
@@ -2444,10 +2431,9 @@
           </a:lstStyle>
           <a:p>
             <a:r>
-              <a:rPr lang="en-US" smtClean="0"/>
+              <a:rPr lang="en-US"/>
               <a:t>Click icon to add picture</a:t>
             </a:r>
-            <a:endParaRPr lang="en-US"/>
           </a:p>
         </p:txBody>
       </p:sp>
@@ -2510,7 +2496,7 @@
           <a:p>
             <a:pPr lvl="0"/>
             <a:r>
-              <a:rPr lang="en-US" smtClean="0"/>
+              <a:rPr lang="en-US"/>
               <a:t>Edit Master text styles</a:t>
             </a:r>
           </a:p>
@@ -2533,7 +2519,7 @@
           <a:p>
             <a:fld id="{A593004C-F44D-4D67-B064-835525FF989D}" type="datetimeFigureOut">
               <a:rPr lang="en-US" smtClean="0"/>
-              <a:t>9/3/2019</a:t>
+              <a:t>9/9/2019</a:t>
             </a:fld>
             <a:endParaRPr lang="en-US"/>
           </a:p>
@@ -2645,7 +2631,7 @@
           <a:lstStyle/>
           <a:p>
             <a:r>
-              <a:rPr lang="en-US" smtClean="0"/>
+              <a:rPr lang="en-US"/>
               <a:t>Click to edit Master title style</a:t>
             </a:r>
             <a:endParaRPr lang="en-US" dirty="0"/>
@@ -2679,35 +2665,35 @@
           <a:p>
             <a:pPr lvl="0"/>
             <a:r>
-              <a:rPr lang="en-US" smtClean="0"/>
+              <a:rPr lang="en-US"/>
               <a:t>Edit Master text styles</a:t>
             </a:r>
           </a:p>
           <a:p>
             <a:pPr lvl="1"/>
             <a:r>
-              <a:rPr lang="en-US" smtClean="0"/>
+              <a:rPr lang="en-US"/>
               <a:t>Second level</a:t>
             </a:r>
           </a:p>
           <a:p>
             <a:pPr lvl="2"/>
             <a:r>
-              <a:rPr lang="en-US" smtClean="0"/>
+              <a:rPr lang="en-US"/>
               <a:t>Third level</a:t>
             </a:r>
           </a:p>
           <a:p>
             <a:pPr lvl="3"/>
             <a:r>
-              <a:rPr lang="en-US" smtClean="0"/>
+              <a:rPr lang="en-US"/>
               <a:t>Fourth level</a:t>
             </a:r>
           </a:p>
           <a:p>
             <a:pPr lvl="4"/>
             <a:r>
-              <a:rPr lang="en-US" smtClean="0"/>
+              <a:rPr lang="en-US"/>
               <a:t>Fifth level</a:t>
             </a:r>
             <a:endParaRPr lang="en-US" dirty="0"/>
@@ -2747,7 +2733,7 @@
           <a:p>
             <a:fld id="{A593004C-F44D-4D67-B064-835525FF989D}" type="datetimeFigureOut">
               <a:rPr lang="en-US" smtClean="0"/>
-              <a:t>9/3/2019</a:t>
+              <a:t>9/9/2019</a:t>
             </a:fld>
             <a:endParaRPr lang="en-US"/>
           </a:p>
@@ -3166,10 +3152,9 @@
           <a:lstStyle/>
           <a:p>
             <a:r>
-              <a:rPr lang="en-US" dirty="0" smtClean="0"/>
+              <a:rPr lang="en-US" dirty="0"/>
               <a:t>Line-Replaceable Units</a:t>
             </a:r>
-            <a:endParaRPr lang="en-US" dirty="0"/>
           </a:p>
         </p:txBody>
       </p:sp>
@@ -3189,10 +3174,9 @@
           <a:lstStyle/>
           <a:p>
             <a:r>
-              <a:rPr lang="en-US" dirty="0" smtClean="0"/>
+              <a:rPr lang="en-US" dirty="0"/>
               <a:t>Modularity, Integration, Encapsulation, and Interface Control</a:t>
             </a:r>
-            <a:endParaRPr lang="en-US" dirty="0"/>
           </a:p>
         </p:txBody>
       </p:sp>
@@ -3206,13 +3190,6 @@
   <p:clrMapOvr>
     <a:masterClrMapping/>
   </p:clrMapOvr>
-  <p:timing>
-    <p:tnLst>
-      <p:par>
-        <p:cTn id="1" dur="indefinite" restart="never" nodeType="tmRoot"/>
-      </p:par>
-    </p:tnLst>
-  </p:timing>
 </p:sld>
 </file>
 
@@ -3249,10 +3226,9 @@
           <a:lstStyle/>
           <a:p>
             <a:r>
-              <a:rPr lang="en-US" dirty="0" smtClean="0"/>
+              <a:rPr lang="en-US" dirty="0"/>
               <a:t>Example</a:t>
             </a:r>
-            <a:endParaRPr lang="en-US" dirty="0"/>
           </a:p>
         </p:txBody>
       </p:sp>
@@ -3272,37 +3248,42 @@
           <a:lstStyle/>
           <a:p>
             <a:r>
-              <a:rPr lang="en-US" dirty="0" smtClean="0"/>
-              <a:t>Communications (programming)</a:t>
+              <a:rPr lang="en-US" dirty="0"/>
+              <a:t>Electrical ICD (EICD)</a:t>
             </a:r>
           </a:p>
           <a:p>
             <a:pPr lvl="1"/>
             <a:r>
-              <a:rPr lang="en-US" dirty="0" smtClean="0"/>
-              <a:t>Command dictionary</a:t>
+              <a:rPr lang="en-US" dirty="0"/>
+              <a:t>Power requirements</a:t>
             </a:r>
           </a:p>
           <a:p>
             <a:pPr lvl="1"/>
             <a:r>
-              <a:rPr lang="en-US" dirty="0" smtClean="0"/>
-              <a:t>Data encoding</a:t>
+              <a:rPr lang="en-US" dirty="0"/>
+              <a:t>Connectors &amp; pinouts</a:t>
             </a:r>
           </a:p>
           <a:p>
             <a:pPr lvl="1"/>
             <a:r>
-              <a:rPr lang="en-US" dirty="0" smtClean="0"/>
-              <a:t>State diagrams</a:t>
-            </a:r>
-            <a:endParaRPr lang="en-US" dirty="0"/>
+              <a:rPr lang="en-US" dirty="0"/>
+              <a:t>Data transfer (Ethernet, serial, etc.)</a:t>
+            </a:r>
           </a:p>
         </p:txBody>
       </p:sp>
       <p:pic>
         <p:nvPicPr>
-          <p:cNvPr id="4" name="Picture 3"/>
+          <p:cNvPr id="5" name="Picture 4">
+            <a:extLst>
+              <a:ext uri="{FF2B5EF4-FFF2-40B4-BE49-F238E27FC236}">
+                <a16:creationId xmlns:a16="http://schemas.microsoft.com/office/drawing/2014/main" id="{337E34D4-ADD5-41A3-A682-499E7465CEA9}"/>
+              </a:ext>
+            </a:extLst>
+          </p:cNvPr>
           <p:cNvPicPr>
             <a:picLocks noChangeAspect="1"/>
           </p:cNvPicPr>
@@ -3316,31 +3297,159 @@
         </p:blipFill>
         <p:spPr>
           <a:xfrm>
-            <a:off x="5591175" y="5212166"/>
-            <a:ext cx="3095625" cy="1304925"/>
+            <a:off x="819536" y="4586571"/>
+            <a:ext cx="4221506" cy="2126623"/>
           </a:xfrm>
           <a:prstGeom prst="rect">
             <a:avLst/>
           </a:prstGeom>
         </p:spPr>
       </p:pic>
+      <p:pic>
+        <p:nvPicPr>
+          <p:cNvPr id="7" name="Picture 6">
+            <a:extLst>
+              <a:ext uri="{FF2B5EF4-FFF2-40B4-BE49-F238E27FC236}">
+                <a16:creationId xmlns:a16="http://schemas.microsoft.com/office/drawing/2014/main" id="{9143716F-C242-4E36-8444-659D758F86E1}"/>
+              </a:ext>
+            </a:extLst>
+          </p:cNvPr>
+          <p:cNvPicPr>
+            <a:picLocks noChangeAspect="1"/>
+          </p:cNvPicPr>
+          <p:nvPr/>
+        </p:nvPicPr>
+        <p:blipFill>
+          <a:blip r:embed="rId3"/>
+          <a:stretch>
+            <a:fillRect/>
+          </a:stretch>
+        </p:blipFill>
+        <p:spPr>
+          <a:xfrm>
+            <a:off x="1918528" y="3533602"/>
+            <a:ext cx="4171950" cy="1076325"/>
+          </a:xfrm>
+          <a:prstGeom prst="rect">
+            <a:avLst/>
+          </a:prstGeom>
+          <a:ln>
+            <a:solidFill>
+              <a:schemeClr val="tx1"/>
+            </a:solidFill>
+          </a:ln>
+        </p:spPr>
+      </p:pic>
+      <p:pic>
+        <p:nvPicPr>
+          <p:cNvPr id="8" name="Picture 7">
+            <a:extLst>
+              <a:ext uri="{FF2B5EF4-FFF2-40B4-BE49-F238E27FC236}">
+                <a16:creationId xmlns:a16="http://schemas.microsoft.com/office/drawing/2014/main" id="{C034D675-ADBA-4C07-ABDE-B53728866085}"/>
+              </a:ext>
+            </a:extLst>
+          </p:cNvPr>
+          <p:cNvPicPr>
+            <a:picLocks noChangeAspect="1"/>
+          </p:cNvPicPr>
+          <p:nvPr/>
+        </p:nvPicPr>
+        <p:blipFill>
+          <a:blip r:embed="rId4"/>
+          <a:stretch>
+            <a:fillRect/>
+          </a:stretch>
+        </p:blipFill>
+        <p:spPr>
+          <a:xfrm>
+            <a:off x="5371701" y="4752465"/>
+            <a:ext cx="3568155" cy="2049548"/>
+          </a:xfrm>
+          <a:prstGeom prst="rect">
+            <a:avLst/>
+          </a:prstGeom>
+        </p:spPr>
+      </p:pic>
+      <p:pic>
+        <p:nvPicPr>
+          <p:cNvPr id="4" name="Picture 3">
+            <a:extLst>
+              <a:ext uri="{FF2B5EF4-FFF2-40B4-BE49-F238E27FC236}">
+                <a16:creationId xmlns:a16="http://schemas.microsoft.com/office/drawing/2014/main" id="{03023D21-164B-44AD-9B1F-366369ED215B}"/>
+              </a:ext>
+            </a:extLst>
+          </p:cNvPr>
+          <p:cNvPicPr>
+            <a:picLocks noChangeAspect="1"/>
+          </p:cNvPicPr>
+          <p:nvPr/>
+        </p:nvPicPr>
+        <p:blipFill>
+          <a:blip r:embed="rId5"/>
+          <a:stretch>
+            <a:fillRect/>
+          </a:stretch>
+        </p:blipFill>
+        <p:spPr>
+          <a:xfrm>
+            <a:off x="5139498" y="4169450"/>
+            <a:ext cx="3645758" cy="1276015"/>
+          </a:xfrm>
+          <a:prstGeom prst="rect">
+            <a:avLst/>
+          </a:prstGeom>
+          <a:ln>
+            <a:solidFill>
+              <a:schemeClr val="tx1"/>
+            </a:solidFill>
+          </a:ln>
+        </p:spPr>
+      </p:pic>
+      <p:pic>
+        <p:nvPicPr>
+          <p:cNvPr id="9" name="Picture 8">
+            <a:extLst>
+              <a:ext uri="{FF2B5EF4-FFF2-40B4-BE49-F238E27FC236}">
+                <a16:creationId xmlns:a16="http://schemas.microsoft.com/office/drawing/2014/main" id="{234438E6-1963-487A-A4D7-07E1F6C77BDB}"/>
+              </a:ext>
+            </a:extLst>
+          </p:cNvPr>
+          <p:cNvPicPr>
+            <a:picLocks noChangeAspect="1"/>
+          </p:cNvPicPr>
+          <p:nvPr/>
+        </p:nvPicPr>
+        <p:blipFill>
+          <a:blip r:embed="rId6"/>
+          <a:stretch>
+            <a:fillRect/>
+          </a:stretch>
+        </p:blipFill>
+        <p:spPr>
+          <a:xfrm>
+            <a:off x="5897898" y="1793196"/>
+            <a:ext cx="2987189" cy="2528759"/>
+          </a:xfrm>
+          <a:prstGeom prst="rect">
+            <a:avLst/>
+          </a:prstGeom>
+          <a:ln>
+            <a:solidFill>
+              <a:schemeClr val="tx1"/>
+            </a:solidFill>
+          </a:ln>
+        </p:spPr>
+      </p:pic>
     </p:spTree>
     <p:extLst>
       <p:ext uri="{BB962C8B-B14F-4D97-AF65-F5344CB8AC3E}">
-        <p14:creationId xmlns:p14="http://schemas.microsoft.com/office/powerpoint/2010/main" val="2206847443"/>
+        <p14:creationId xmlns:p14="http://schemas.microsoft.com/office/powerpoint/2010/main" val="3051302333"/>
       </p:ext>
     </p:extLst>
   </p:cSld>
   <p:clrMapOvr>
     <a:masterClrMapping/>
   </p:clrMapOvr>
-  <p:timing>
-    <p:tnLst>
-      <p:par>
-        <p:cTn id="1" dur="indefinite" restart="never" nodeType="tmRoot"/>
-      </p:par>
-    </p:tnLst>
-  </p:timing>
 </p:sld>
 </file>
 
@@ -3361,6 +3470,41 @@
           <a:chExt cx="0" cy="0"/>
         </a:xfrm>
       </p:grpSpPr>
+      <p:pic>
+        <p:nvPicPr>
+          <p:cNvPr id="6" name="Picture 5">
+            <a:extLst>
+              <a:ext uri="{FF2B5EF4-FFF2-40B4-BE49-F238E27FC236}">
+                <a16:creationId xmlns:a16="http://schemas.microsoft.com/office/drawing/2014/main" id="{09120534-1689-4F36-9973-57D6D3A1B618}"/>
+              </a:ext>
+            </a:extLst>
+          </p:cNvPr>
+          <p:cNvPicPr>
+            <a:picLocks noChangeAspect="1"/>
+          </p:cNvPicPr>
+          <p:nvPr/>
+        </p:nvPicPr>
+        <p:blipFill>
+          <a:blip r:embed="rId2"/>
+          <a:stretch>
+            <a:fillRect/>
+          </a:stretch>
+        </p:blipFill>
+        <p:spPr>
+          <a:xfrm>
+            <a:off x="2282685" y="5119233"/>
+            <a:ext cx="2374140" cy="1690583"/>
+          </a:xfrm>
+          <a:prstGeom prst="rect">
+            <a:avLst/>
+          </a:prstGeom>
+          <a:ln>
+            <a:solidFill>
+              <a:schemeClr val="tx1"/>
+            </a:solidFill>
+          </a:ln>
+        </p:spPr>
+      </p:pic>
       <p:sp>
         <p:nvSpPr>
           <p:cNvPr id="2" name="Title 1"/>
@@ -3377,10 +3521,203 @@
           <a:lstStyle/>
           <a:p>
             <a:r>
-              <a:rPr lang="en-US" dirty="0" smtClean="0"/>
+              <a:rPr lang="en-US" dirty="0"/>
               <a:t>Example</a:t>
             </a:r>
-            <a:endParaRPr lang="en-US" dirty="0"/>
+          </a:p>
+        </p:txBody>
+      </p:sp>
+      <p:sp>
+        <p:nvSpPr>
+          <p:cNvPr id="3" name="Content Placeholder 2"/>
+          <p:cNvSpPr>
+            <a:spLocks noGrp="1"/>
+          </p:cNvSpPr>
+          <p:nvPr>
+            <p:ph idx="1"/>
+          </p:nvPr>
+        </p:nvSpPr>
+        <p:spPr/>
+        <p:txBody>
+          <a:bodyPr/>
+          <a:lstStyle/>
+          <a:p>
+            <a:r>
+              <a:rPr lang="en-US" dirty="0"/>
+              <a:t>Communications (programming)</a:t>
+            </a:r>
+          </a:p>
+          <a:p>
+            <a:pPr lvl="1"/>
+            <a:r>
+              <a:rPr lang="en-US" dirty="0"/>
+              <a:t>Command dictionary</a:t>
+            </a:r>
+          </a:p>
+          <a:p>
+            <a:pPr lvl="1"/>
+            <a:r>
+              <a:rPr lang="en-US" dirty="0"/>
+              <a:t>Data encoding</a:t>
+            </a:r>
+          </a:p>
+          <a:p>
+            <a:pPr lvl="1"/>
+            <a:r>
+              <a:rPr lang="en-US" dirty="0"/>
+              <a:t>State diagrams</a:t>
+            </a:r>
+          </a:p>
+        </p:txBody>
+      </p:sp>
+      <p:pic>
+        <p:nvPicPr>
+          <p:cNvPr id="5" name="Picture 4">
+            <a:extLst>
+              <a:ext uri="{FF2B5EF4-FFF2-40B4-BE49-F238E27FC236}">
+                <a16:creationId xmlns:a16="http://schemas.microsoft.com/office/drawing/2014/main" id="{7C63D717-A514-4D02-97D5-51A0E171C57A}"/>
+              </a:ext>
+            </a:extLst>
+          </p:cNvPr>
+          <p:cNvPicPr>
+            <a:picLocks noChangeAspect="1"/>
+          </p:cNvPicPr>
+          <p:nvPr/>
+        </p:nvPicPr>
+        <p:blipFill>
+          <a:blip r:embed="rId3"/>
+          <a:stretch>
+            <a:fillRect/>
+          </a:stretch>
+        </p:blipFill>
+        <p:spPr>
+          <a:xfrm>
+            <a:off x="4476203" y="4274965"/>
+            <a:ext cx="4210597" cy="2470064"/>
+          </a:xfrm>
+          <a:prstGeom prst="rect">
+            <a:avLst/>
+          </a:prstGeom>
+          <a:ln>
+            <a:solidFill>
+              <a:schemeClr val="tx1"/>
+            </a:solidFill>
+          </a:ln>
+        </p:spPr>
+      </p:pic>
+      <p:pic>
+        <p:nvPicPr>
+          <p:cNvPr id="4" name="Picture 3"/>
+          <p:cNvPicPr>
+            <a:picLocks noChangeAspect="1"/>
+          </p:cNvPicPr>
+          <p:nvPr/>
+        </p:nvPicPr>
+        <p:blipFill>
+          <a:blip r:embed="rId4"/>
+          <a:stretch>
+            <a:fillRect/>
+          </a:stretch>
+        </p:blipFill>
+        <p:spPr>
+          <a:xfrm>
+            <a:off x="5830072" y="3210720"/>
+            <a:ext cx="3095625" cy="1304925"/>
+          </a:xfrm>
+          <a:prstGeom prst="rect">
+            <a:avLst/>
+          </a:prstGeom>
+          <a:ln>
+            <a:solidFill>
+              <a:schemeClr val="tx1"/>
+            </a:solidFill>
+          </a:ln>
+        </p:spPr>
+      </p:pic>
+      <p:pic>
+        <p:nvPicPr>
+          <p:cNvPr id="7" name="Picture 6">
+            <a:extLst>
+              <a:ext uri="{FF2B5EF4-FFF2-40B4-BE49-F238E27FC236}">
+                <a16:creationId xmlns:a16="http://schemas.microsoft.com/office/drawing/2014/main" id="{94978371-E9CB-4C23-9377-ED1A7ED06830}"/>
+              </a:ext>
+            </a:extLst>
+          </p:cNvPr>
+          <p:cNvPicPr>
+            <a:picLocks noChangeAspect="1"/>
+          </p:cNvPicPr>
+          <p:nvPr/>
+        </p:nvPicPr>
+        <p:blipFill>
+          <a:blip r:embed="rId5"/>
+          <a:stretch>
+            <a:fillRect/>
+          </a:stretch>
+        </p:blipFill>
+        <p:spPr>
+          <a:xfrm>
+            <a:off x="3081977" y="3128340"/>
+            <a:ext cx="2605988" cy="2077158"/>
+          </a:xfrm>
+          <a:prstGeom prst="rect">
+            <a:avLst/>
+          </a:prstGeom>
+          <a:ln>
+            <a:solidFill>
+              <a:schemeClr val="tx1"/>
+            </a:solidFill>
+          </a:ln>
+        </p:spPr>
+      </p:pic>
+    </p:spTree>
+    <p:extLst>
+      <p:ext uri="{BB962C8B-B14F-4D97-AF65-F5344CB8AC3E}">
+        <p14:creationId xmlns:p14="http://schemas.microsoft.com/office/powerpoint/2010/main" val="2206847443"/>
+      </p:ext>
+    </p:extLst>
+  </p:cSld>
+  <p:clrMapOvr>
+    <a:masterClrMapping/>
+  </p:clrMapOvr>
+</p:sld>
+</file>
+
+<file path=ppt/slides/slide12.xml><?xml version="1.0" encoding="utf-8"?>
+<p:sld xmlns:a="http://schemas.openxmlformats.org/drawingml/2006/main" xmlns:r="http://schemas.openxmlformats.org/officeDocument/2006/relationships" xmlns:p="http://schemas.openxmlformats.org/presentationml/2006/main">
+  <p:cSld>
+    <p:spTree>
+      <p:nvGrpSpPr>
+        <p:cNvPr id="1" name=""/>
+        <p:cNvGrpSpPr/>
+        <p:nvPr/>
+      </p:nvGrpSpPr>
+      <p:grpSpPr>
+        <a:xfrm>
+          <a:off x="0" y="0"/>
+          <a:ext cx="0" cy="0"/>
+          <a:chOff x="0" y="0"/>
+          <a:chExt cx="0" cy="0"/>
+        </a:xfrm>
+      </p:grpSpPr>
+      <p:sp>
+        <p:nvSpPr>
+          <p:cNvPr id="2" name="Title 1"/>
+          <p:cNvSpPr>
+            <a:spLocks noGrp="1"/>
+          </p:cNvSpPr>
+          <p:nvPr>
+            <p:ph type="title"/>
+          </p:nvPr>
+        </p:nvSpPr>
+        <p:spPr/>
+        <p:txBody>
+          <a:bodyPr/>
+          <a:lstStyle/>
+          <a:p>
+            <a:r>
+              <a:rPr lang="en-US" dirty="0"/>
+              <a:t>Example</a:t>
+            </a:r>
           </a:p>
         </p:txBody>
       </p:sp>
@@ -3437,129 +3774,6 @@
   <p:clrMapOvr>
     <a:masterClrMapping/>
   </p:clrMapOvr>
-  <p:timing>
-    <p:tnLst>
-      <p:par>
-        <p:cTn id="1" dur="indefinite" restart="never" nodeType="tmRoot"/>
-      </p:par>
-    </p:tnLst>
-  </p:timing>
-</p:sld>
-</file>
-
-<file path=ppt/slides/slide12.xml><?xml version="1.0" encoding="utf-8"?>
-<p:sld xmlns:a="http://schemas.openxmlformats.org/drawingml/2006/main" xmlns:r="http://schemas.openxmlformats.org/officeDocument/2006/relationships" xmlns:p="http://schemas.openxmlformats.org/presentationml/2006/main">
-  <p:cSld>
-    <p:spTree>
-      <p:nvGrpSpPr>
-        <p:cNvPr id="1" name=""/>
-        <p:cNvGrpSpPr/>
-        <p:nvPr/>
-      </p:nvGrpSpPr>
-      <p:grpSpPr>
-        <a:xfrm>
-          <a:off x="0" y="0"/>
-          <a:ext cx="0" cy="0"/>
-          <a:chOff x="0" y="0"/>
-          <a:chExt cx="0" cy="0"/>
-        </a:xfrm>
-      </p:grpSpPr>
-      <p:sp>
-        <p:nvSpPr>
-          <p:cNvPr id="2" name="Title 1"/>
-          <p:cNvSpPr>
-            <a:spLocks noGrp="1"/>
-          </p:cNvSpPr>
-          <p:nvPr>
-            <p:ph type="title"/>
-          </p:nvPr>
-        </p:nvSpPr>
-        <p:spPr/>
-        <p:txBody>
-          <a:bodyPr/>
-          <a:lstStyle/>
-          <a:p>
-            <a:r>
-              <a:rPr lang="en-US" dirty="0" smtClean="0"/>
-              <a:t>Results</a:t>
-            </a:r>
-            <a:endParaRPr lang="en-US" dirty="0"/>
-          </a:p>
-        </p:txBody>
-      </p:sp>
-      <p:sp>
-        <p:nvSpPr>
-          <p:cNvPr id="3" name="Content Placeholder 2"/>
-          <p:cNvSpPr>
-            <a:spLocks noGrp="1"/>
-          </p:cNvSpPr>
-          <p:nvPr>
-            <p:ph idx="1"/>
-          </p:nvPr>
-        </p:nvSpPr>
-        <p:spPr/>
-        <p:txBody>
-          <a:bodyPr/>
-          <a:lstStyle/>
-          <a:p>
-            <a:r>
-              <a:rPr lang="en-US" dirty="0" smtClean="0"/>
-              <a:t>Thanks to a bilateral ICD, the contractor was designing, building, and testing the camera while we were designing, building, and testing the spacecraft</a:t>
-            </a:r>
-          </a:p>
-          <a:p>
-            <a:r>
-              <a:rPr lang="en-US" dirty="0" smtClean="0"/>
-              <a:t>When the contractor delivers the camera:</a:t>
-            </a:r>
-          </a:p>
-          <a:p>
-            <a:pPr lvl="1"/>
-            <a:r>
-              <a:rPr lang="en-US" dirty="0" smtClean="0"/>
-              <a:t>We bolt it onto the mount we’d already made</a:t>
-            </a:r>
-          </a:p>
-          <a:p>
-            <a:pPr lvl="1"/>
-            <a:r>
-              <a:rPr lang="en-US" dirty="0" smtClean="0"/>
-              <a:t>We plug in the connectors we’d already wired</a:t>
-            </a:r>
-          </a:p>
-          <a:p>
-            <a:pPr lvl="1"/>
-            <a:r>
-              <a:rPr lang="en-US" dirty="0" smtClean="0"/>
-              <a:t>We run the software we’d already written</a:t>
-            </a:r>
-          </a:p>
-          <a:p>
-            <a:pPr lvl="1"/>
-            <a:r>
-              <a:rPr lang="en-US" dirty="0" smtClean="0"/>
-              <a:t>Since the spacecraft complies with the ICD, and the camera complies with the ICD, they should work together after being tested independently</a:t>
-            </a:r>
-          </a:p>
-        </p:txBody>
-      </p:sp>
-    </p:spTree>
-    <p:extLst>
-      <p:ext uri="{BB962C8B-B14F-4D97-AF65-F5344CB8AC3E}">
-        <p14:creationId xmlns:p14="http://schemas.microsoft.com/office/powerpoint/2010/main" val="2056165135"/>
-      </p:ext>
-    </p:extLst>
-  </p:cSld>
-  <p:clrMapOvr>
-    <a:masterClrMapping/>
-  </p:clrMapOvr>
-  <p:timing>
-    <p:tnLst>
-      <p:par>
-        <p:cTn id="1" dur="indefinite" restart="never" nodeType="tmRoot"/>
-      </p:par>
-    </p:tnLst>
-  </p:timing>
 </p:sld>
 </file>
 
@@ -3596,72 +3810,178 @@
           <a:lstStyle/>
           <a:p>
             <a:r>
-              <a:rPr lang="en-US" dirty="0" smtClean="0"/>
+              <a:rPr lang="en-US" dirty="0"/>
+              <a:t>Results</a:t>
+            </a:r>
+          </a:p>
+        </p:txBody>
+      </p:sp>
+      <p:sp>
+        <p:nvSpPr>
+          <p:cNvPr id="3" name="Content Placeholder 2"/>
+          <p:cNvSpPr>
+            <a:spLocks noGrp="1"/>
+          </p:cNvSpPr>
+          <p:nvPr>
+            <p:ph idx="1"/>
+          </p:nvPr>
+        </p:nvSpPr>
+        <p:spPr/>
+        <p:txBody>
+          <a:bodyPr/>
+          <a:lstStyle/>
+          <a:p>
+            <a:r>
+              <a:rPr lang="en-US" dirty="0"/>
+              <a:t>Thanks to a bilateral ICD, the contractor was designing, building, and testing the camera while we were designing, building, and testing the spacecraft</a:t>
+            </a:r>
+          </a:p>
+          <a:p>
+            <a:r>
+              <a:rPr lang="en-US" dirty="0"/>
+              <a:t>When the contractor delivers the camera:</a:t>
+            </a:r>
+          </a:p>
+          <a:p>
+            <a:pPr lvl="1"/>
+            <a:r>
+              <a:rPr lang="en-US" dirty="0"/>
+              <a:t>We bolt it onto the mount we’d already made</a:t>
+            </a:r>
+          </a:p>
+          <a:p>
+            <a:pPr lvl="1"/>
+            <a:r>
+              <a:rPr lang="en-US" dirty="0"/>
+              <a:t>We plug in the connectors we’d already wired</a:t>
+            </a:r>
+          </a:p>
+          <a:p>
+            <a:pPr lvl="1"/>
+            <a:r>
+              <a:rPr lang="en-US" dirty="0"/>
+              <a:t>We run the software we’d already written</a:t>
+            </a:r>
+          </a:p>
+          <a:p>
+            <a:pPr lvl="1"/>
+            <a:r>
+              <a:rPr lang="en-US" dirty="0"/>
+              <a:t>Since the spacecraft complies with the ICD, and the camera complies with the ICD, they should work together after being tested independently</a:t>
+            </a:r>
+          </a:p>
+        </p:txBody>
+      </p:sp>
+    </p:spTree>
+    <p:extLst>
+      <p:ext uri="{BB962C8B-B14F-4D97-AF65-F5344CB8AC3E}">
+        <p14:creationId xmlns:p14="http://schemas.microsoft.com/office/powerpoint/2010/main" val="2056165135"/>
+      </p:ext>
+    </p:extLst>
+  </p:cSld>
+  <p:clrMapOvr>
+    <a:masterClrMapping/>
+  </p:clrMapOvr>
+</p:sld>
+</file>
+
+<file path=ppt/slides/slide14.xml><?xml version="1.0" encoding="utf-8"?>
+<p:sld xmlns:a="http://schemas.openxmlformats.org/drawingml/2006/main" xmlns:r="http://schemas.openxmlformats.org/officeDocument/2006/relationships" xmlns:p="http://schemas.openxmlformats.org/presentationml/2006/main">
+  <p:cSld>
+    <p:spTree>
+      <p:nvGrpSpPr>
+        <p:cNvPr id="1" name=""/>
+        <p:cNvGrpSpPr/>
+        <p:nvPr/>
+      </p:nvGrpSpPr>
+      <p:grpSpPr>
+        <a:xfrm>
+          <a:off x="0" y="0"/>
+          <a:ext cx="0" cy="0"/>
+          <a:chOff x="0" y="0"/>
+          <a:chExt cx="0" cy="0"/>
+        </a:xfrm>
+      </p:grpSpPr>
+      <p:sp>
+        <p:nvSpPr>
+          <p:cNvPr id="2" name="Title 1"/>
+          <p:cNvSpPr>
+            <a:spLocks noGrp="1"/>
+          </p:cNvSpPr>
+          <p:nvPr>
+            <p:ph type="title"/>
+          </p:nvPr>
+        </p:nvSpPr>
+        <p:spPr/>
+        <p:txBody>
+          <a:bodyPr/>
+          <a:lstStyle/>
+          <a:p>
+            <a:r>
+              <a:rPr lang="en-US" dirty="0"/>
               <a:t>Modularity</a:t>
             </a:r>
+          </a:p>
+        </p:txBody>
+      </p:sp>
+      <p:sp>
+        <p:nvSpPr>
+          <p:cNvPr id="3" name="Content Placeholder 2"/>
+          <p:cNvSpPr>
+            <a:spLocks noGrp="1"/>
+          </p:cNvSpPr>
+          <p:nvPr>
+            <p:ph idx="1"/>
+          </p:nvPr>
+        </p:nvSpPr>
+        <p:spPr/>
+        <p:txBody>
+          <a:bodyPr/>
+          <a:lstStyle/>
+          <a:p>
+            <a:r>
+              <a:rPr lang="en-US" dirty="0"/>
+              <a:t>Modular systems also allow the concept of </a:t>
+            </a:r>
+            <a:r>
+              <a:rPr lang="en-US" i="1" dirty="0"/>
+              <a:t>line-replaceable units</a:t>
+            </a:r>
             <a:endParaRPr lang="en-US" dirty="0"/>
           </a:p>
-        </p:txBody>
-      </p:sp>
-      <p:sp>
-        <p:nvSpPr>
-          <p:cNvPr id="3" name="Content Placeholder 2"/>
-          <p:cNvSpPr>
-            <a:spLocks noGrp="1"/>
-          </p:cNvSpPr>
-          <p:nvPr>
-            <p:ph idx="1"/>
-          </p:nvPr>
-        </p:nvSpPr>
-        <p:spPr/>
-        <p:txBody>
-          <a:bodyPr/>
-          <a:lstStyle/>
-          <a:p>
-            <a:r>
-              <a:rPr lang="en-US" dirty="0" smtClean="0"/>
-              <a:t>Modular systems also allow the concept of </a:t>
-            </a:r>
-            <a:r>
-              <a:rPr lang="en-US" i="1" dirty="0" smtClean="0"/>
-              <a:t>line-replaceable units</a:t>
-            </a:r>
-            <a:endParaRPr lang="en-US" dirty="0" smtClean="0"/>
-          </a:p>
           <a:p>
             <a:pPr lvl="1"/>
             <a:r>
-              <a:rPr lang="en-US" dirty="0" smtClean="0"/>
+              <a:rPr lang="en-US" dirty="0"/>
               <a:t>Aviation term</a:t>
             </a:r>
           </a:p>
           <a:p>
             <a:pPr lvl="1"/>
             <a:r>
-              <a:rPr lang="en-US" dirty="0" smtClean="0"/>
+              <a:rPr lang="en-US" dirty="0"/>
               <a:t>Modular components that can be replaced on the </a:t>
             </a:r>
             <a:r>
-              <a:rPr lang="en-US" dirty="0" err="1" smtClean="0"/>
+              <a:rPr lang="en-US" dirty="0" err="1"/>
               <a:t>flightline</a:t>
             </a:r>
             <a:r>
-              <a:rPr lang="en-US" dirty="0" smtClean="0"/>
+              <a:rPr lang="en-US" dirty="0"/>
               <a:t> (an aircraft parked out on the tarmac, rather than in the shop)</a:t>
             </a:r>
           </a:p>
           <a:p>
             <a:r>
-              <a:rPr lang="en-US" dirty="0" smtClean="0"/>
+              <a:rPr lang="en-US" dirty="0"/>
               <a:t>No one is ever leaning into a spacecraft or an airplane with a soldering iron</a:t>
             </a:r>
           </a:p>
           <a:p>
             <a:r>
-              <a:rPr lang="en-US" dirty="0" smtClean="0"/>
+              <a:rPr lang="en-US" dirty="0"/>
               <a:t>Everything is packaged into “boxes”, which can be easily disconnected and replaced with an identical box</a:t>
             </a:r>
-            <a:endParaRPr lang="en-US" dirty="0"/>
           </a:p>
         </p:txBody>
       </p:sp>
@@ -3675,17 +3995,10 @@
   <p:clrMapOvr>
     <a:masterClrMapping/>
   </p:clrMapOvr>
-  <p:timing>
-    <p:tnLst>
-      <p:par>
-        <p:cTn id="1" dur="indefinite" restart="never" nodeType="tmRoot"/>
-      </p:par>
-    </p:tnLst>
-  </p:timing>
 </p:sld>
 </file>
 
-<file path=ppt/slides/slide14.xml><?xml version="1.0" encoding="utf-8"?>
+<file path=ppt/slides/slide15.xml><?xml version="1.0" encoding="utf-8"?>
 <p:sld xmlns:a="http://schemas.openxmlformats.org/drawingml/2006/main" xmlns:r="http://schemas.openxmlformats.org/officeDocument/2006/relationships" xmlns:p="http://schemas.openxmlformats.org/presentationml/2006/main">
   <p:cSld>
     <p:spTree>
@@ -3755,17 +4068,10 @@
   <p:clrMapOvr>
     <a:masterClrMapping/>
   </p:clrMapOvr>
-  <p:timing>
-    <p:tnLst>
-      <p:par>
-        <p:cTn id="1" dur="indefinite" restart="never" nodeType="tmRoot"/>
-      </p:par>
-    </p:tnLst>
-  </p:timing>
 </p:sld>
 </file>
 
-<file path=ppt/slides/slide15.xml><?xml version="1.0" encoding="utf-8"?>
+<file path=ppt/slides/slide16.xml><?xml version="1.0" encoding="utf-8"?>
 <p:sld xmlns:a="http://schemas.openxmlformats.org/drawingml/2006/main" xmlns:r="http://schemas.openxmlformats.org/officeDocument/2006/relationships" xmlns:p="http://schemas.openxmlformats.org/presentationml/2006/main">
   <p:cSld>
     <p:spTree>
@@ -3835,17 +4141,10 @@
   <p:clrMapOvr>
     <a:masterClrMapping/>
   </p:clrMapOvr>
-  <p:timing>
-    <p:tnLst>
-      <p:par>
-        <p:cTn id="1" dur="indefinite" restart="never" nodeType="tmRoot"/>
-      </p:par>
-    </p:tnLst>
-  </p:timing>
 </p:sld>
 </file>
 
-<file path=ppt/slides/slide16.xml><?xml version="1.0" encoding="utf-8"?>
+<file path=ppt/slides/slide17.xml><?xml version="1.0" encoding="utf-8"?>
 <p:sld xmlns:a="http://schemas.openxmlformats.org/drawingml/2006/main" xmlns:r="http://schemas.openxmlformats.org/officeDocument/2006/relationships" xmlns:p="http://schemas.openxmlformats.org/presentationml/2006/main">
   <p:cSld>
     <p:spTree>
@@ -3878,10 +4177,9 @@
           <a:lstStyle/>
           <a:p>
             <a:r>
-              <a:rPr lang="en-US" dirty="0" smtClean="0"/>
+              <a:rPr lang="en-US" dirty="0"/>
               <a:t>Modularity &amp; Integration</a:t>
             </a:r>
-            <a:endParaRPr lang="en-US" dirty="0"/>
           </a:p>
         </p:txBody>
       </p:sp>
@@ -3901,22 +4199,21 @@
           <a:lstStyle/>
           <a:p>
             <a:r>
-              <a:rPr lang="en-US" dirty="0" smtClean="0"/>
+              <a:rPr lang="en-US" dirty="0"/>
               <a:t>Modularity and integration are not contradictory</a:t>
             </a:r>
           </a:p>
           <a:p>
             <a:r>
-              <a:rPr lang="en-US" dirty="0" smtClean="0"/>
+              <a:rPr lang="en-US" dirty="0"/>
               <a:t>Modularity just requires that your “tight” integration be at the subsystem level, rather than the system level</a:t>
             </a:r>
           </a:p>
           <a:p>
             <a:r>
-              <a:rPr lang="en-US" dirty="0" smtClean="0"/>
+              <a:rPr lang="en-US" dirty="0"/>
               <a:t>Subsystems might be complex and tightly-integrated, but their interfaces are well-defined</a:t>
             </a:r>
-            <a:endParaRPr lang="en-US" dirty="0"/>
           </a:p>
         </p:txBody>
       </p:sp>
@@ -3930,17 +4227,10 @@
   <p:clrMapOvr>
     <a:masterClrMapping/>
   </p:clrMapOvr>
-  <p:timing>
-    <p:tnLst>
-      <p:par>
-        <p:cTn id="1" dur="indefinite" restart="never" nodeType="tmRoot"/>
-      </p:par>
-    </p:tnLst>
-  </p:timing>
 </p:sld>
 </file>
 
-<file path=ppt/slides/slide17.xml><?xml version="1.0" encoding="utf-8"?>
+<file path=ppt/slides/slide18.xml><?xml version="1.0" encoding="utf-8"?>
 <p:sld xmlns:a="http://schemas.openxmlformats.org/drawingml/2006/main" xmlns:r="http://schemas.openxmlformats.org/officeDocument/2006/relationships" xmlns:p="http://schemas.openxmlformats.org/presentationml/2006/main">
   <p:cSld>
     <p:spTree>
@@ -4010,17 +4300,10 @@
   <p:clrMapOvr>
     <a:masterClrMapping/>
   </p:clrMapOvr>
-  <p:timing>
-    <p:tnLst>
-      <p:par>
-        <p:cTn id="1" dur="indefinite" restart="never" nodeType="tmRoot"/>
-      </p:par>
-    </p:tnLst>
-  </p:timing>
 </p:sld>
 </file>
 
-<file path=ppt/slides/slide18.xml><?xml version="1.0" encoding="utf-8"?>
+<file path=ppt/slides/slide19.xml><?xml version="1.0" encoding="utf-8"?>
 <p:sld xmlns:a="http://schemas.openxmlformats.org/drawingml/2006/main" xmlns:r="http://schemas.openxmlformats.org/officeDocument/2006/relationships" xmlns:p="http://schemas.openxmlformats.org/presentationml/2006/main">
   <p:cSld>
     <p:spTree>
@@ -4053,10 +4336,9 @@
           <a:lstStyle/>
           <a:p>
             <a:r>
-              <a:rPr lang="en-US" dirty="0" smtClean="0"/>
+              <a:rPr lang="en-US" dirty="0"/>
               <a:t>Process Flow</a:t>
             </a:r>
-            <a:endParaRPr lang="en-US" dirty="0"/>
           </a:p>
         </p:txBody>
       </p:sp>
@@ -4099,142 +4381,6 @@
   <p:clrMapOvr>
     <a:masterClrMapping/>
   </p:clrMapOvr>
-  <p:timing>
-    <p:tnLst>
-      <p:par>
-        <p:cTn id="1" dur="indefinite" restart="never" nodeType="tmRoot"/>
-      </p:par>
-    </p:tnLst>
-  </p:timing>
-</p:sld>
-</file>
-
-<file path=ppt/slides/slide19.xml><?xml version="1.0" encoding="utf-8"?>
-<p:sld xmlns:a="http://schemas.openxmlformats.org/drawingml/2006/main" xmlns:r="http://schemas.openxmlformats.org/officeDocument/2006/relationships" xmlns:p="http://schemas.openxmlformats.org/presentationml/2006/main">
-  <p:cSld>
-    <p:spTree>
-      <p:nvGrpSpPr>
-        <p:cNvPr id="1" name=""/>
-        <p:cNvGrpSpPr/>
-        <p:nvPr/>
-      </p:nvGrpSpPr>
-      <p:grpSpPr>
-        <a:xfrm>
-          <a:off x="0" y="0"/>
-          <a:ext cx="0" cy="0"/>
-          <a:chOff x="0" y="0"/>
-          <a:chExt cx="0" cy="0"/>
-        </a:xfrm>
-      </p:grpSpPr>
-      <p:sp>
-        <p:nvSpPr>
-          <p:cNvPr id="2" name="Title 1"/>
-          <p:cNvSpPr>
-            <a:spLocks noGrp="1"/>
-          </p:cNvSpPr>
-          <p:nvPr>
-            <p:ph type="title"/>
-          </p:nvPr>
-        </p:nvSpPr>
-        <p:spPr/>
-        <p:txBody>
-          <a:bodyPr/>
-          <a:lstStyle/>
-          <a:p>
-            <a:r>
-              <a:rPr lang="en-US" dirty="0" smtClean="0"/>
-              <a:t>Problems With “Waterfall” Process</a:t>
-            </a:r>
-            <a:endParaRPr lang="en-US" dirty="0"/>
-          </a:p>
-        </p:txBody>
-      </p:sp>
-      <p:sp>
-        <p:nvSpPr>
-          <p:cNvPr id="3" name="Content Placeholder 2"/>
-          <p:cNvSpPr>
-            <a:spLocks noGrp="1"/>
-          </p:cNvSpPr>
-          <p:nvPr>
-            <p:ph idx="1"/>
-          </p:nvPr>
-        </p:nvSpPr>
-        <p:spPr/>
-        <p:txBody>
-          <a:bodyPr/>
-          <a:lstStyle/>
-          <a:p>
-            <a:r>
-              <a:rPr lang="en-US" dirty="0" smtClean="0"/>
-              <a:t>Allows a high level of integration, because the entire robot is being designed in one process</a:t>
-            </a:r>
-          </a:p>
-          <a:p>
-            <a:r>
-              <a:rPr lang="en-US" dirty="0" smtClean="0"/>
-              <a:t>Introduces dependencies between processes</a:t>
-            </a:r>
-          </a:p>
-          <a:p>
-            <a:pPr lvl="1"/>
-            <a:r>
-              <a:rPr lang="en-US" dirty="0" smtClean="0"/>
-              <a:t>Can’t make sure </a:t>
-            </a:r>
-            <a:r>
-              <a:rPr lang="en-US" dirty="0" err="1" smtClean="0"/>
-              <a:t>WiFi</a:t>
-            </a:r>
-            <a:r>
-              <a:rPr lang="en-US" dirty="0" smtClean="0"/>
-              <a:t> works until robot is wired, which can’t happen until robot is assembled</a:t>
-            </a:r>
-          </a:p>
-          <a:p>
-            <a:r>
-              <a:rPr lang="en-US" dirty="0" smtClean="0"/>
-              <a:t>Boom-and-bust workload for </a:t>
-            </a:r>
-            <a:r>
-              <a:rPr lang="en-US" dirty="0" err="1" smtClean="0"/>
-              <a:t>subteams</a:t>
-            </a:r>
-            <a:endParaRPr lang="en-US" dirty="0"/>
-          </a:p>
-          <a:p>
-            <a:pPr lvl="1"/>
-            <a:r>
-              <a:rPr lang="en-US" dirty="0" smtClean="0"/>
-              <a:t>The control system team can’t start programming the robot until the robot is mostly done</a:t>
-            </a:r>
-          </a:p>
-          <a:p>
-            <a:pPr lvl="1"/>
-            <a:r>
-              <a:rPr lang="en-US" dirty="0" smtClean="0"/>
-              <a:t>Applies to manufacturing, to a more limited extent</a:t>
-            </a:r>
-            <a:endParaRPr lang="en-US" dirty="0"/>
-          </a:p>
-        </p:txBody>
-      </p:sp>
-    </p:spTree>
-    <p:extLst>
-      <p:ext uri="{BB962C8B-B14F-4D97-AF65-F5344CB8AC3E}">
-        <p14:creationId xmlns:p14="http://schemas.microsoft.com/office/powerpoint/2010/main" val="4168665192"/>
-      </p:ext>
-    </p:extLst>
-  </p:cSld>
-  <p:clrMapOvr>
-    <a:masterClrMapping/>
-  </p:clrMapOvr>
-  <p:timing>
-    <p:tnLst>
-      <p:par>
-        <p:cTn id="1" dur="indefinite" restart="never" nodeType="tmRoot"/>
-      </p:par>
-    </p:tnLst>
-  </p:timing>
 </p:sld>
 </file>
 
@@ -4271,10 +4417,9 @@
           <a:lstStyle/>
           <a:p>
             <a:r>
-              <a:rPr lang="en-US" dirty="0" smtClean="0"/>
+              <a:rPr lang="en-US" dirty="0"/>
               <a:t>Integration</a:t>
             </a:r>
-            <a:endParaRPr lang="en-US" dirty="0"/>
           </a:p>
         </p:txBody>
       </p:sp>
@@ -4294,74 +4439,73 @@
           <a:lstStyle/>
           <a:p>
             <a:r>
-              <a:rPr lang="en-US" dirty="0" smtClean="0"/>
+              <a:rPr lang="en-US" dirty="0"/>
               <a:t>What is integration?</a:t>
             </a:r>
           </a:p>
           <a:p>
             <a:pPr lvl="1"/>
             <a:r>
-              <a:rPr lang="en-US" dirty="0" smtClean="0"/>
+              <a:rPr lang="en-US" dirty="0"/>
               <a:t>To me, integration means lots of complex interdependencies</a:t>
             </a:r>
           </a:p>
           <a:p>
             <a:pPr lvl="1"/>
             <a:r>
-              <a:rPr lang="en-US" dirty="0" smtClean="0"/>
+              <a:rPr lang="en-US" dirty="0"/>
               <a:t>A given component can serve several different purposes, and there are many interactions between components</a:t>
             </a:r>
           </a:p>
           <a:p>
             <a:r>
-              <a:rPr lang="en-US" dirty="0" smtClean="0"/>
+              <a:rPr lang="en-US" dirty="0"/>
               <a:t>This is not necessarily a bad thing</a:t>
             </a:r>
           </a:p>
           <a:p>
             <a:pPr lvl="1"/>
             <a:r>
-              <a:rPr lang="en-US" dirty="0" smtClean="0"/>
+              <a:rPr lang="en-US" dirty="0"/>
               <a:t>It may lead to a more optimized final design</a:t>
             </a:r>
           </a:p>
           <a:p>
             <a:pPr lvl="2"/>
             <a:r>
-              <a:rPr lang="en-US" dirty="0" smtClean="0"/>
+              <a:rPr lang="en-US" dirty="0"/>
               <a:t>For example: a robot needs chassis rails, as a place to mount the wheels to</a:t>
             </a:r>
           </a:p>
           <a:p>
             <a:pPr lvl="2"/>
             <a:r>
-              <a:rPr lang="en-US" dirty="0" smtClean="0"/>
+              <a:rPr lang="en-US" dirty="0"/>
               <a:t>A robot also needs a </a:t>
             </a:r>
             <a:r>
-              <a:rPr lang="en-US" dirty="0" err="1" smtClean="0"/>
+              <a:rPr lang="en-US" dirty="0" err="1"/>
               <a:t>bellypan</a:t>
             </a:r>
             <a:r>
-              <a:rPr lang="en-US" dirty="0" smtClean="0"/>
+              <a:rPr lang="en-US" dirty="0"/>
               <a:t>, as a place to mount electronics</a:t>
             </a:r>
           </a:p>
           <a:p>
             <a:pPr lvl="2"/>
             <a:r>
-              <a:rPr lang="en-US" dirty="0" smtClean="0"/>
+              <a:rPr lang="en-US" dirty="0"/>
               <a:t>If the </a:t>
             </a:r>
             <a:r>
-              <a:rPr lang="en-US" dirty="0" err="1" smtClean="0"/>
+              <a:rPr lang="en-US" dirty="0" err="1"/>
               <a:t>bellypan</a:t>
             </a:r>
             <a:r>
-              <a:rPr lang="en-US" dirty="0" smtClean="0"/>
+              <a:rPr lang="en-US" dirty="0"/>
               <a:t> geometry and mounting is correct, it can lend significant strength to the chassis, allowing you to use thinner tube</a:t>
             </a:r>
-            <a:endParaRPr lang="en-US" dirty="0"/>
           </a:p>
         </p:txBody>
       </p:sp>
@@ -4375,13 +4519,6 @@
   <p:clrMapOvr>
     <a:masterClrMapping/>
   </p:clrMapOvr>
-  <p:timing>
-    <p:tnLst>
-      <p:par>
-        <p:cTn id="1" dur="indefinite" restart="never" nodeType="tmRoot"/>
-      </p:par>
-    </p:tnLst>
-  </p:timing>
 </p:sld>
 </file>
 
@@ -4418,10 +4555,129 @@
           <a:lstStyle/>
           <a:p>
             <a:r>
-              <a:rPr lang="en-US" dirty="0" smtClean="0"/>
+              <a:rPr lang="en-US" dirty="0"/>
+              <a:t>Problems With “Waterfall” Process</a:t>
+            </a:r>
+          </a:p>
+        </p:txBody>
+      </p:sp>
+      <p:sp>
+        <p:nvSpPr>
+          <p:cNvPr id="3" name="Content Placeholder 2"/>
+          <p:cNvSpPr>
+            <a:spLocks noGrp="1"/>
+          </p:cNvSpPr>
+          <p:nvPr>
+            <p:ph idx="1"/>
+          </p:nvPr>
+        </p:nvSpPr>
+        <p:spPr/>
+        <p:txBody>
+          <a:bodyPr/>
+          <a:lstStyle/>
+          <a:p>
+            <a:r>
+              <a:rPr lang="en-US" dirty="0"/>
+              <a:t>Allows a high level of integration, because the entire robot is being designed in one process</a:t>
+            </a:r>
+          </a:p>
+          <a:p>
+            <a:r>
+              <a:rPr lang="en-US" dirty="0"/>
+              <a:t>Introduces dependencies between processes</a:t>
+            </a:r>
+          </a:p>
+          <a:p>
+            <a:pPr lvl="1"/>
+            <a:r>
+              <a:rPr lang="en-US" dirty="0"/>
+              <a:t>Can’t make sure </a:t>
+            </a:r>
+            <a:r>
+              <a:rPr lang="en-US" dirty="0" err="1"/>
+              <a:t>WiFi</a:t>
+            </a:r>
+            <a:r>
+              <a:rPr lang="en-US" dirty="0"/>
+              <a:t> works until robot is wired, which can’t happen until robot is assembled</a:t>
+            </a:r>
+          </a:p>
+          <a:p>
+            <a:r>
+              <a:rPr lang="en-US" dirty="0"/>
+              <a:t>Boom-and-bust workload for </a:t>
+            </a:r>
+            <a:r>
+              <a:rPr lang="en-US" dirty="0" err="1"/>
+              <a:t>subteams</a:t>
+            </a:r>
+            <a:endParaRPr lang="en-US" dirty="0"/>
+          </a:p>
+          <a:p>
+            <a:pPr lvl="1"/>
+            <a:r>
+              <a:rPr lang="en-US" dirty="0"/>
+              <a:t>The control system team can’t start programming the robot until the robot is mostly done</a:t>
+            </a:r>
+          </a:p>
+          <a:p>
+            <a:pPr lvl="1"/>
+            <a:r>
+              <a:rPr lang="en-US" dirty="0"/>
+              <a:t>Applies to manufacturing, to a more limited extent</a:t>
+            </a:r>
+          </a:p>
+        </p:txBody>
+      </p:sp>
+    </p:spTree>
+    <p:extLst>
+      <p:ext uri="{BB962C8B-B14F-4D97-AF65-F5344CB8AC3E}">
+        <p14:creationId xmlns:p14="http://schemas.microsoft.com/office/powerpoint/2010/main" val="4168665192"/>
+      </p:ext>
+    </p:extLst>
+  </p:cSld>
+  <p:clrMapOvr>
+    <a:masterClrMapping/>
+  </p:clrMapOvr>
+</p:sld>
+</file>
+
+<file path=ppt/slides/slide21.xml><?xml version="1.0" encoding="utf-8"?>
+<p:sld xmlns:a="http://schemas.openxmlformats.org/drawingml/2006/main" xmlns:r="http://schemas.openxmlformats.org/officeDocument/2006/relationships" xmlns:p="http://schemas.openxmlformats.org/presentationml/2006/main">
+  <p:cSld>
+    <p:spTree>
+      <p:nvGrpSpPr>
+        <p:cNvPr id="1" name=""/>
+        <p:cNvGrpSpPr/>
+        <p:nvPr/>
+      </p:nvGrpSpPr>
+      <p:grpSpPr>
+        <a:xfrm>
+          <a:off x="0" y="0"/>
+          <a:ext cx="0" cy="0"/>
+          <a:chOff x="0" y="0"/>
+          <a:chExt cx="0" cy="0"/>
+        </a:xfrm>
+      </p:grpSpPr>
+      <p:sp>
+        <p:nvSpPr>
+          <p:cNvPr id="2" name="Title 1"/>
+          <p:cNvSpPr>
+            <a:spLocks noGrp="1"/>
+          </p:cNvSpPr>
+          <p:nvPr>
+            <p:ph type="title"/>
+          </p:nvPr>
+        </p:nvSpPr>
+        <p:spPr/>
+        <p:txBody>
+          <a:bodyPr/>
+          <a:lstStyle/>
+          <a:p>
+            <a:r>
+              <a:rPr lang="en-US" dirty="0"/>
               <a:t>New Process Flow</a:t>
             </a:r>
-            <a:endParaRPr lang="en-US" dirty="0"/>
           </a:p>
         </p:txBody>
       </p:sp>
@@ -4467,17 +4723,10 @@
   <p:clrMapOvr>
     <a:masterClrMapping/>
   </p:clrMapOvr>
-  <p:timing>
-    <p:tnLst>
-      <p:par>
-        <p:cTn id="1" dur="indefinite" restart="never" nodeType="tmRoot"/>
-      </p:par>
-    </p:tnLst>
-  </p:timing>
 </p:sld>
 </file>
 
-<file path=ppt/slides/slide21.xml><?xml version="1.0" encoding="utf-8"?>
+<file path=ppt/slides/slide22.xml><?xml version="1.0" encoding="utf-8"?>
 <p:sld xmlns:a="http://schemas.openxmlformats.org/drawingml/2006/main" xmlns:r="http://schemas.openxmlformats.org/officeDocument/2006/relationships" xmlns:p="http://schemas.openxmlformats.org/presentationml/2006/main">
   <p:cSld>
     <p:spTree>
@@ -4549,10 +4798,9 @@
           <a:lstStyle/>
           <a:p>
             <a:r>
-              <a:rPr lang="en-US" dirty="0" smtClean="0"/>
+              <a:rPr lang="en-US" dirty="0"/>
               <a:t>JSOW</a:t>
             </a:r>
-            <a:endParaRPr lang="en-US" dirty="0"/>
           </a:p>
         </p:txBody>
       </p:sp>
@@ -4579,78 +4827,46 @@
           <a:lstStyle/>
           <a:p>
             <a:r>
-              <a:rPr lang="en-US" dirty="0" smtClean="0"/>
+              <a:rPr lang="en-US" dirty="0"/>
               <a:t>Joint </a:t>
             </a:r>
             <a:r>
-              <a:rPr lang="en-US" dirty="0" err="1" smtClean="0"/>
+              <a:rPr lang="en-US" dirty="0" err="1"/>
               <a:t>StandOff</a:t>
             </a:r>
             <a:r>
-              <a:rPr lang="en-US" dirty="0" smtClean="0"/>
+              <a:rPr lang="en-US" dirty="0"/>
               <a:t> Weapon</a:t>
             </a:r>
           </a:p>
           <a:p>
-            <a:endParaRPr lang="en-US" dirty="0" smtClean="0"/>
-          </a:p>
-          <a:p>
-            <a:endParaRPr lang="en-US" dirty="0" smtClean="0"/>
-          </a:p>
-          <a:p>
-            <a:r>
-              <a:rPr lang="en-US" dirty="0" smtClean="0"/>
-              <a:t>“…JSOW </a:t>
-            </a:r>
-            <a:r>
-              <a:rPr lang="en-US" dirty="0"/>
-              <a:t>was considered to be one of the most successful development programs in DOD </a:t>
-            </a:r>
-            <a:r>
-              <a:rPr lang="en-US" dirty="0" smtClean="0"/>
-              <a:t>history...”</a:t>
-            </a:r>
-          </a:p>
-          <a:p>
-            <a:r>
-              <a:rPr lang="en-US" dirty="0" smtClean="0"/>
-              <a:t>“…introduced </a:t>
-            </a:r>
-            <a:r>
-              <a:rPr lang="en-US" dirty="0"/>
-              <a:t>to operational use a year ahead of schedule</a:t>
-            </a:r>
-            <a:r>
-              <a:rPr lang="en-US" dirty="0" smtClean="0"/>
-              <a:t>.”</a:t>
-            </a:r>
-          </a:p>
-          <a:p>
-            <a:r>
-              <a:rPr lang="en-US" dirty="0" smtClean="0"/>
-              <a:t> “…never </a:t>
-            </a:r>
-            <a:r>
-              <a:rPr lang="en-US" dirty="0"/>
-              <a:t>had a weight management problem, and was deployed at its target </a:t>
-            </a:r>
-            <a:r>
-              <a:rPr lang="en-US" dirty="0" smtClean="0"/>
-              <a:t>weight.”</a:t>
-            </a:r>
-          </a:p>
-          <a:p>
-            <a:r>
-              <a:rPr lang="en-US" dirty="0" smtClean="0"/>
-              <a:t>“…was </a:t>
-            </a:r>
-            <a:r>
-              <a:rPr lang="en-US" dirty="0"/>
-              <a:t>able to obtain authority from an independent safety review in record time</a:t>
-            </a:r>
-            <a:r>
-              <a:rPr lang="en-US" dirty="0" smtClean="0"/>
-              <a:t>.”</a:t>
+            <a:endParaRPr lang="en-US" dirty="0"/>
+          </a:p>
+          <a:p>
+            <a:endParaRPr lang="en-US" dirty="0"/>
+          </a:p>
+          <a:p>
+            <a:r>
+              <a:rPr lang="en-US" dirty="0"/>
+              <a:t>“…JSOW was considered to be one of the most successful development programs in DOD history...”</a:t>
+            </a:r>
+          </a:p>
+          <a:p>
+            <a:r>
+              <a:rPr lang="en-US" dirty="0"/>
+              <a:t>“…introduced to operational use a year ahead of schedule.”</a:t>
+            </a:r>
+          </a:p>
+          <a:p>
+            <a:r>
+              <a:rPr lang="en-US" dirty="0"/>
+              <a:t> “…never had a weight management problem, and was deployed at its target weight.”</a:t>
+            </a:r>
+          </a:p>
+          <a:p>
+            <a:r>
+              <a:rPr lang="en-US" dirty="0"/>
+              <a:t>“…was able to obtain authority from an independent safety review in record time.”</a:t>
             </a:r>
           </a:p>
         </p:txBody>
@@ -4678,18 +4894,13 @@
           <a:lstStyle/>
           <a:p>
             <a:r>
-              <a:rPr lang="en-US" dirty="0" smtClean="0">
+              <a:rPr lang="en-US" dirty="0">
                 <a:solidFill>
                   <a:schemeClr val="bg1"/>
                 </a:solidFill>
               </a:rPr>
               <a:t>Quotes from Wikipedia</a:t>
             </a:r>
-            <a:endParaRPr lang="en-US" dirty="0">
-              <a:solidFill>
-                <a:schemeClr val="bg1"/>
-              </a:solidFill>
-            </a:endParaRPr>
           </a:p>
         </p:txBody>
       </p:sp>
@@ -4932,104 +5143,6 @@
 </p:sld>
 </file>
 
-<file path=ppt/slides/slide22.xml><?xml version="1.0" encoding="utf-8"?>
-<p:sld xmlns:a="http://schemas.openxmlformats.org/drawingml/2006/main" xmlns:r="http://schemas.openxmlformats.org/officeDocument/2006/relationships" xmlns:p="http://schemas.openxmlformats.org/presentationml/2006/main">
-  <p:cSld>
-    <p:spTree>
-      <p:nvGrpSpPr>
-        <p:cNvPr id="1" name=""/>
-        <p:cNvGrpSpPr/>
-        <p:nvPr/>
-      </p:nvGrpSpPr>
-      <p:grpSpPr>
-        <a:xfrm>
-          <a:off x="0" y="0"/>
-          <a:ext cx="0" cy="0"/>
-          <a:chOff x="0" y="0"/>
-          <a:chExt cx="0" cy="0"/>
-        </a:xfrm>
-      </p:grpSpPr>
-      <p:sp>
-        <p:nvSpPr>
-          <p:cNvPr id="2" name="Title 1"/>
-          <p:cNvSpPr>
-            <a:spLocks noGrp="1"/>
-          </p:cNvSpPr>
-          <p:nvPr>
-            <p:ph type="title"/>
-          </p:nvPr>
-        </p:nvSpPr>
-        <p:spPr/>
-        <p:txBody>
-          <a:bodyPr/>
-          <a:lstStyle/>
-          <a:p>
-            <a:r>
-              <a:rPr lang="en-US" dirty="0" smtClean="0"/>
-              <a:t>JSOW</a:t>
-            </a:r>
-            <a:endParaRPr lang="en-US" dirty="0"/>
-          </a:p>
-        </p:txBody>
-      </p:sp>
-      <p:sp>
-        <p:nvSpPr>
-          <p:cNvPr id="3" name="Content Placeholder 2"/>
-          <p:cNvSpPr>
-            <a:spLocks noGrp="1"/>
-          </p:cNvSpPr>
-          <p:nvPr>
-            <p:ph idx="1"/>
-          </p:nvPr>
-        </p:nvSpPr>
-        <p:spPr/>
-        <p:txBody>
-          <a:bodyPr/>
-          <a:lstStyle/>
-          <a:p>
-            <a:r>
-              <a:rPr lang="en-US" dirty="0"/>
-              <a:t>“The program staff was organized into </a:t>
-            </a:r>
-            <a:r>
-              <a:rPr lang="en-US" b="1" dirty="0"/>
-              <a:t>integrated product teams</a:t>
-            </a:r>
-            <a:r>
-              <a:rPr lang="en-US" dirty="0"/>
-              <a:t> with members from the government, the prime Texas Instruments and subcontractors</a:t>
-            </a:r>
-            <a:r>
-              <a:rPr lang="en-US" dirty="0" smtClean="0"/>
-              <a:t>.”</a:t>
-            </a:r>
-            <a:endParaRPr lang="en-US" dirty="0"/>
-          </a:p>
-          <a:p>
-            <a:endParaRPr lang="en-US" dirty="0"/>
-          </a:p>
-        </p:txBody>
-      </p:sp>
-    </p:spTree>
-    <p:extLst>
-      <p:ext uri="{BB962C8B-B14F-4D97-AF65-F5344CB8AC3E}">
-        <p14:creationId xmlns:p14="http://schemas.microsoft.com/office/powerpoint/2010/main" val="2014300908"/>
-      </p:ext>
-    </p:extLst>
-  </p:cSld>
-  <p:clrMapOvr>
-    <a:masterClrMapping/>
-  </p:clrMapOvr>
-  <p:timing>
-    <p:tnLst>
-      <p:par>
-        <p:cTn id="1" dur="indefinite" restart="never" nodeType="tmRoot"/>
-      </p:par>
-    </p:tnLst>
-  </p:timing>
-</p:sld>
-</file>
-
 <file path=ppt/slides/slide23.xml><?xml version="1.0" encoding="utf-8"?>
 <p:sld xmlns:a="http://schemas.openxmlformats.org/drawingml/2006/main" xmlns:r="http://schemas.openxmlformats.org/officeDocument/2006/relationships" xmlns:p="http://schemas.openxmlformats.org/presentationml/2006/main">
   <p:cSld>
@@ -5063,10 +5176,94 @@
           <a:lstStyle/>
           <a:p>
             <a:r>
-              <a:rPr lang="en-US" dirty="0" smtClean="0"/>
+              <a:rPr lang="en-US" dirty="0"/>
+              <a:t>JSOW</a:t>
+            </a:r>
+          </a:p>
+        </p:txBody>
+      </p:sp>
+      <p:sp>
+        <p:nvSpPr>
+          <p:cNvPr id="3" name="Content Placeholder 2"/>
+          <p:cNvSpPr>
+            <a:spLocks noGrp="1"/>
+          </p:cNvSpPr>
+          <p:nvPr>
+            <p:ph idx="1"/>
+          </p:nvPr>
+        </p:nvSpPr>
+        <p:spPr/>
+        <p:txBody>
+          <a:bodyPr/>
+          <a:lstStyle/>
+          <a:p>
+            <a:r>
+              <a:rPr lang="en-US" dirty="0"/>
+              <a:t>“The program staff was organized into </a:t>
+            </a:r>
+            <a:r>
+              <a:rPr lang="en-US" b="1" dirty="0"/>
+              <a:t>integrated product teams</a:t>
+            </a:r>
+            <a:r>
+              <a:rPr lang="en-US" dirty="0"/>
+              <a:t> with members from the government, the prime Texas Instruments and subcontractors.”</a:t>
+            </a:r>
+          </a:p>
+          <a:p>
+            <a:endParaRPr lang="en-US" dirty="0"/>
+          </a:p>
+        </p:txBody>
+      </p:sp>
+    </p:spTree>
+    <p:extLst>
+      <p:ext uri="{BB962C8B-B14F-4D97-AF65-F5344CB8AC3E}">
+        <p14:creationId xmlns:p14="http://schemas.microsoft.com/office/powerpoint/2010/main" val="2014300908"/>
+      </p:ext>
+    </p:extLst>
+  </p:cSld>
+  <p:clrMapOvr>
+    <a:masterClrMapping/>
+  </p:clrMapOvr>
+</p:sld>
+</file>
+
+<file path=ppt/slides/slide24.xml><?xml version="1.0" encoding="utf-8"?>
+<p:sld xmlns:a="http://schemas.openxmlformats.org/drawingml/2006/main" xmlns:r="http://schemas.openxmlformats.org/officeDocument/2006/relationships" xmlns:p="http://schemas.openxmlformats.org/presentationml/2006/main">
+  <p:cSld>
+    <p:spTree>
+      <p:nvGrpSpPr>
+        <p:cNvPr id="1" name=""/>
+        <p:cNvGrpSpPr/>
+        <p:nvPr/>
+      </p:nvGrpSpPr>
+      <p:grpSpPr>
+        <a:xfrm>
+          <a:off x="0" y="0"/>
+          <a:ext cx="0" cy="0"/>
+          <a:chOff x="0" y="0"/>
+          <a:chExt cx="0" cy="0"/>
+        </a:xfrm>
+      </p:grpSpPr>
+      <p:sp>
+        <p:nvSpPr>
+          <p:cNvPr id="2" name="Title 1"/>
+          <p:cNvSpPr>
+            <a:spLocks noGrp="1"/>
+          </p:cNvSpPr>
+          <p:nvPr>
+            <p:ph type="title"/>
+          </p:nvPr>
+        </p:nvSpPr>
+        <p:spPr/>
+        <p:txBody>
+          <a:bodyPr/>
+          <a:lstStyle/>
+          <a:p>
+            <a:r>
+              <a:rPr lang="en-US" dirty="0"/>
               <a:t>Conclusion: Modularity</a:t>
             </a:r>
-            <a:endParaRPr lang="en-US" dirty="0"/>
           </a:p>
         </p:txBody>
       </p:sp>
@@ -5086,71 +5283,70 @@
           <a:lstStyle/>
           <a:p>
             <a:r>
-              <a:rPr lang="en-US" dirty="0" smtClean="0"/>
+              <a:rPr lang="en-US" dirty="0"/>
               <a:t>Advantages</a:t>
             </a:r>
           </a:p>
           <a:p>
             <a:pPr lvl="1"/>
             <a:r>
-              <a:rPr lang="en-US" dirty="0" smtClean="0"/>
+              <a:rPr lang="en-US" dirty="0"/>
               <a:t>Parallel development</a:t>
             </a:r>
           </a:p>
           <a:p>
             <a:pPr lvl="1"/>
             <a:r>
-              <a:rPr lang="en-US" dirty="0" smtClean="0"/>
+              <a:rPr lang="en-US" dirty="0"/>
               <a:t>Easier service</a:t>
             </a:r>
           </a:p>
           <a:p>
             <a:pPr lvl="1"/>
             <a:r>
-              <a:rPr lang="en-US" dirty="0" smtClean="0"/>
+              <a:rPr lang="en-US" dirty="0"/>
               <a:t>Reusable modules</a:t>
             </a:r>
           </a:p>
           <a:p>
             <a:pPr lvl="1"/>
             <a:r>
-              <a:rPr lang="en-US" dirty="0" smtClean="0"/>
+              <a:rPr lang="en-US" dirty="0"/>
               <a:t>Better testing</a:t>
             </a:r>
           </a:p>
           <a:p>
             <a:r>
-              <a:rPr lang="en-US" dirty="0" smtClean="0"/>
+              <a:rPr lang="en-US" dirty="0"/>
               <a:t>Disadvantages</a:t>
             </a:r>
           </a:p>
           <a:p>
             <a:pPr lvl="1"/>
             <a:r>
-              <a:rPr lang="en-US" dirty="0" smtClean="0"/>
+              <a:rPr lang="en-US" dirty="0"/>
               <a:t>Less efficient design</a:t>
             </a:r>
           </a:p>
           <a:p>
             <a:r>
-              <a:rPr lang="en-US" dirty="0" smtClean="0"/>
+              <a:rPr lang="en-US" dirty="0"/>
               <a:t>How?</a:t>
             </a:r>
           </a:p>
           <a:p>
             <a:pPr lvl="1"/>
             <a:r>
-              <a:rPr lang="en-US" dirty="0" smtClean="0"/>
+              <a:rPr lang="en-US" dirty="0"/>
               <a:t>Define interfaces</a:t>
             </a:r>
           </a:p>
           <a:p>
             <a:pPr lvl="1"/>
             <a:r>
-              <a:rPr lang="en-US" dirty="0" smtClean="0"/>
+              <a:rPr lang="en-US" dirty="0"/>
               <a:t>Integrated product teams</a:t>
             </a:r>
-            <a:endParaRPr lang="en-US" dirty="0"/>
           </a:p>
         </p:txBody>
       </p:sp>
@@ -5164,13 +5360,6 @@
   <p:clrMapOvr>
     <a:masterClrMapping/>
   </p:clrMapOvr>
-  <p:timing>
-    <p:tnLst>
-      <p:par>
-        <p:cTn id="1" dur="indefinite" restart="never" nodeType="tmRoot"/>
-      </p:par>
-    </p:tnLst>
-  </p:timing>
 </p:sld>
 </file>
 
@@ -5207,10 +5396,9 @@
           <a:lstStyle/>
           <a:p>
             <a:r>
-              <a:rPr lang="en-US" dirty="0" smtClean="0"/>
+              <a:rPr lang="en-US" dirty="0"/>
               <a:t>Integration</a:t>
             </a:r>
-            <a:endParaRPr lang="en-US" dirty="0"/>
           </a:p>
         </p:txBody>
       </p:sp>
@@ -5235,7 +5423,7 @@
           <a:lstStyle/>
           <a:p>
             <a:r>
-              <a:rPr lang="en-US" dirty="0" smtClean="0"/>
+              <a:rPr lang="en-US" dirty="0"/>
               <a:t>However, highly integrated designs tend to require a lot more design effort, have more complex failure modes, and require special handing and maintenance</a:t>
             </a:r>
           </a:p>
@@ -5448,54 +5636,54 @@
           </a:lstStyle>
           <a:p>
             <a:r>
-              <a:rPr lang="en-US" dirty="0" smtClean="0"/>
+              <a:rPr lang="en-US" dirty="0"/>
               <a:t>Consider the Atlas ICBM </a:t>
             </a:r>
           </a:p>
           <a:p>
             <a:r>
-              <a:rPr lang="en-US" dirty="0" smtClean="0"/>
+              <a:rPr lang="en-US" dirty="0"/>
               <a:t>The Atlas has “balloon tanks”</a:t>
             </a:r>
           </a:p>
           <a:p>
             <a:pPr lvl="1"/>
             <a:r>
-              <a:rPr lang="en-US" dirty="0" smtClean="0"/>
+              <a:rPr lang="en-US" dirty="0"/>
               <a:t>The fuel tanks are very thin and flexible, like balloons</a:t>
             </a:r>
           </a:p>
           <a:p>
             <a:pPr lvl="1"/>
             <a:r>
-              <a:rPr lang="en-US" dirty="0" smtClean="0"/>
+              <a:rPr lang="en-US" dirty="0"/>
               <a:t>Unlike most other rockets, the tanks must always be pressurized, otherwise they collapse</a:t>
             </a:r>
           </a:p>
           <a:p>
             <a:pPr lvl="1"/>
             <a:r>
-              <a:rPr lang="en-US" dirty="0" smtClean="0"/>
+              <a:rPr lang="en-US" dirty="0"/>
               <a:t>Tanks fulfil both a fuel storage function and a structural function</a:t>
             </a:r>
           </a:p>
           <a:p>
             <a:r>
-              <a:rPr lang="en-US" dirty="0" smtClean="0"/>
+              <a:rPr lang="en-US" dirty="0"/>
               <a:t>Balloon tanks allow </a:t>
             </a:r>
             <a:r>
-              <a:rPr lang="en-US" i="1" dirty="0" smtClean="0"/>
+              <a:rPr lang="en-US" i="1" dirty="0"/>
               <a:t>much</a:t>
             </a:r>
             <a:r>
-              <a:rPr lang="en-US" dirty="0" smtClean="0"/>
+              <a:rPr lang="en-US" dirty="0"/>
               <a:t> lighter construction</a:t>
             </a:r>
           </a:p>
           <a:p>
             <a:r>
-              <a:rPr lang="en-US" dirty="0" smtClean="0"/>
+              <a:rPr lang="en-US" dirty="0"/>
               <a:t>However, the pressurization issue makes them so problematic that they’re not used anymore</a:t>
             </a:r>
           </a:p>
@@ -5518,13 +5706,6 @@
   <p:clrMapOvr>
     <a:masterClrMapping/>
   </p:clrMapOvr>
-  <p:timing>
-    <p:tnLst>
-      <p:par>
-        <p:cTn id="1" dur="indefinite" restart="never" nodeType="tmRoot"/>
-      </p:par>
-    </p:tnLst>
-  </p:timing>
 </p:sld>
 </file>
 
@@ -5561,10 +5742,9 @@
           <a:lstStyle/>
           <a:p>
             <a:r>
-              <a:rPr lang="en-US" dirty="0" smtClean="0"/>
+              <a:rPr lang="en-US" dirty="0"/>
               <a:t>Integration</a:t>
             </a:r>
-            <a:endParaRPr lang="en-US" dirty="0"/>
           </a:p>
         </p:txBody>
       </p:sp>
@@ -5584,45 +5764,44 @@
           <a:lstStyle/>
           <a:p>
             <a:r>
-              <a:rPr lang="en-US" dirty="0" smtClean="0"/>
+              <a:rPr lang="en-US" dirty="0"/>
               <a:t>Our robots tend to be very “tightly” integrated</a:t>
             </a:r>
           </a:p>
           <a:p>
             <a:pPr lvl="1"/>
             <a:r>
-              <a:rPr lang="en-US" dirty="0" smtClean="0"/>
+              <a:rPr lang="en-US" dirty="0"/>
               <a:t>Many control system components built into the superstructure</a:t>
             </a:r>
           </a:p>
           <a:p>
             <a:pPr lvl="1"/>
             <a:r>
-              <a:rPr lang="en-US" dirty="0" smtClean="0"/>
+              <a:rPr lang="en-US" dirty="0"/>
               <a:t>Electronics bolted to </a:t>
             </a:r>
             <a:r>
-              <a:rPr lang="en-US" dirty="0" err="1" smtClean="0"/>
+              <a:rPr lang="en-US" dirty="0" err="1"/>
               <a:t>bellypan</a:t>
             </a:r>
             <a:r>
-              <a:rPr lang="en-US" dirty="0" smtClean="0"/>
+              <a:rPr lang="en-US" dirty="0"/>
               <a:t>, then wired together</a:t>
             </a:r>
           </a:p>
           <a:p>
             <a:pPr lvl="1"/>
             <a:r>
-              <a:rPr lang="en-US" dirty="0" smtClean="0"/>
+              <a:rPr lang="en-US" dirty="0"/>
               <a:t>Many structural components also serve as wire management</a:t>
             </a:r>
           </a:p>
           <a:p>
             <a:r>
-              <a:rPr lang="en-US" dirty="0" smtClean="0"/>
+              <a:rPr lang="en-US" dirty="0"/>
               <a:t>Try swapping the PDP on the 2019 bot…</a:t>
             </a:r>
-            <a:endParaRPr lang="en-US" dirty="0"/>
           </a:p>
         </p:txBody>
       </p:sp>
@@ -5636,13 +5815,6 @@
   <p:clrMapOvr>
     <a:masterClrMapping/>
   </p:clrMapOvr>
-  <p:timing>
-    <p:tnLst>
-      <p:par>
-        <p:cTn id="1" dur="indefinite" restart="never" nodeType="tmRoot"/>
-      </p:par>
-    </p:tnLst>
-  </p:timing>
 </p:sld>
 </file>
 
@@ -5679,10 +5851,9 @@
           <a:lstStyle/>
           <a:p>
             <a:r>
-              <a:rPr lang="en-US" dirty="0" smtClean="0"/>
+              <a:rPr lang="en-US" dirty="0"/>
               <a:t>Modularity</a:t>
             </a:r>
-            <a:endParaRPr lang="en-US" dirty="0"/>
           </a:p>
         </p:txBody>
       </p:sp>
@@ -5702,33 +5873,33 @@
           <a:lstStyle/>
           <a:p>
             <a:r>
-              <a:rPr lang="en-US" dirty="0" smtClean="0"/>
+              <a:rPr lang="en-US" dirty="0"/>
               <a:t>What is modularity?</a:t>
             </a:r>
           </a:p>
           <a:p>
             <a:r>
-              <a:rPr lang="en-US" dirty="0" smtClean="0"/>
+              <a:rPr lang="en-US" dirty="0"/>
               <a:t>Composition becomes more hierarchical </a:t>
             </a:r>
           </a:p>
           <a:p>
             <a:r>
-              <a:rPr lang="en-US" dirty="0" smtClean="0"/>
+              <a:rPr lang="en-US" dirty="0"/>
               <a:t>Instead of a robot made of components, the robot is made of subsystems</a:t>
             </a:r>
           </a:p>
           <a:p>
             <a:r>
-              <a:rPr lang="en-US" dirty="0" smtClean="0"/>
+              <a:rPr lang="en-US" dirty="0"/>
               <a:t>Subsystems are independently designed, built, and tested </a:t>
             </a:r>
             <a:r>
-              <a:rPr lang="en-US" i="1" dirty="0" smtClean="0"/>
+              <a:rPr lang="en-US" i="1" dirty="0"/>
               <a:t>before</a:t>
             </a:r>
             <a:r>
-              <a:rPr lang="en-US" dirty="0" smtClean="0"/>
+              <a:rPr lang="en-US" dirty="0"/>
               <a:t> being assembled into “the robot”</a:t>
             </a:r>
           </a:p>
@@ -5744,13 +5915,6 @@
   <p:clrMapOvr>
     <a:masterClrMapping/>
   </p:clrMapOvr>
-  <p:timing>
-    <p:tnLst>
-      <p:par>
-        <p:cTn id="1" dur="indefinite" restart="never" nodeType="tmRoot"/>
-      </p:par>
-    </p:tnLst>
-  </p:timing>
 </p:sld>
 </file>
 
@@ -5787,10 +5951,9 @@
           <a:lstStyle/>
           <a:p>
             <a:r>
-              <a:rPr lang="en-US" dirty="0" smtClean="0"/>
+              <a:rPr lang="en-US" dirty="0"/>
               <a:t>Modularity</a:t>
             </a:r>
-            <a:endParaRPr lang="en-US" dirty="0"/>
           </a:p>
         </p:txBody>
       </p:sp>
@@ -5810,15 +5973,15 @@
           <a:lstStyle/>
           <a:p>
             <a:r>
-              <a:rPr lang="en-US" dirty="0" smtClean="0"/>
+              <a:rPr lang="en-US" dirty="0"/>
               <a:t>Subsystems should be well </a:t>
             </a:r>
             <a:r>
-              <a:rPr lang="en-US" i="1" dirty="0" smtClean="0"/>
+              <a:rPr lang="en-US" i="1" dirty="0"/>
               <a:t>encapsulated </a:t>
             </a:r>
             <a:r>
-              <a:rPr lang="en-US" dirty="0" smtClean="0"/>
+              <a:rPr lang="en-US" dirty="0"/>
               <a:t>(software engineering term)</a:t>
             </a:r>
           </a:p>
@@ -5830,11 +5993,11 @@
           </a:p>
           <a:p>
             <a:r>
-              <a:rPr lang="en-US" dirty="0" smtClean="0"/>
+              <a:rPr lang="en-US" dirty="0"/>
               <a:t>Things outside the boundary only need to care about the </a:t>
             </a:r>
             <a:r>
-              <a:rPr lang="en-US" i="1" dirty="0" smtClean="0"/>
+              <a:rPr lang="en-US" i="1" dirty="0"/>
               <a:t>interface</a:t>
             </a:r>
             <a:endParaRPr lang="en-US" dirty="0"/>
@@ -5851,13 +6014,6 @@
   <p:clrMapOvr>
     <a:masterClrMapping/>
   </p:clrMapOvr>
-  <p:timing>
-    <p:tnLst>
-      <p:par>
-        <p:cTn id="1" dur="indefinite" restart="never" nodeType="tmRoot"/>
-      </p:par>
-    </p:tnLst>
-  </p:timing>
 </p:sld>
 </file>
 
@@ -5894,10 +6050,9 @@
           <a:lstStyle/>
           <a:p>
             <a:r>
-              <a:rPr lang="en-US" dirty="0" smtClean="0"/>
+              <a:rPr lang="en-US" dirty="0"/>
               <a:t>Example</a:t>
             </a:r>
-            <a:endParaRPr lang="en-US" dirty="0"/>
           </a:p>
         </p:txBody>
       </p:sp>
@@ -5917,36 +6072,45 @@
           <a:lstStyle/>
           <a:p>
             <a:r>
-              <a:rPr lang="en-US" dirty="0" smtClean="0"/>
+              <a:rPr lang="en-US" dirty="0"/>
               <a:t>We (JPL) are building a spacecraft, and we want to put a camera on it</a:t>
             </a:r>
           </a:p>
           <a:p>
             <a:r>
-              <a:rPr lang="en-US" dirty="0" smtClean="0"/>
+              <a:rPr lang="en-US" dirty="0"/>
               <a:t>We contract out the design &amp; manufacture of the camera</a:t>
             </a:r>
           </a:p>
           <a:p>
             <a:r>
-              <a:rPr lang="en-US" dirty="0" smtClean="0"/>
+              <a:rPr lang="en-US" dirty="0"/>
               <a:t>But how do we make sure the camera will work correctly with the rest of the spacecraft?</a:t>
             </a:r>
           </a:p>
           <a:p>
             <a:r>
-              <a:rPr lang="en-US" dirty="0" smtClean="0"/>
+              <a:rPr lang="en-US" dirty="0"/>
               <a:t>We agree on the </a:t>
             </a:r>
             <a:r>
-              <a:rPr lang="en-US" i="1" dirty="0" smtClean="0"/>
+              <a:rPr lang="en-US" i="1" dirty="0"/>
               <a:t>interfaces</a:t>
             </a:r>
             <a:r>
-              <a:rPr lang="en-US" dirty="0" smtClean="0"/>
+              <a:rPr lang="en-US" dirty="0"/>
               <a:t>, in the form of an ICD (Interface Control Document)</a:t>
             </a:r>
-            <a:endParaRPr lang="en-US" dirty="0"/>
+          </a:p>
+          <a:p>
+            <a:r>
+              <a:rPr lang="en-US" dirty="0" err="1"/>
+              <a:t>Akin’s</a:t>
+            </a:r>
+            <a:r>
+              <a:rPr lang="en-US" dirty="0"/>
+              <a:t> Law #15: The ability to improve a design occurs primarily at the interfaces. This is also the prime location for screwing it up.</a:t>
+            </a:r>
           </a:p>
         </p:txBody>
       </p:sp>
@@ -6017,6 +6181,55 @@
                       </p:childTnLst>
                     </p:cTn>
                   </p:par>
+                  <p:par>
+                    <p:cTn id="7" fill="hold">
+                      <p:stCondLst>
+                        <p:cond delay="indefinite"/>
+                      </p:stCondLst>
+                      <p:childTnLst>
+                        <p:par>
+                          <p:cTn id="8" fill="hold">
+                            <p:stCondLst>
+                              <p:cond delay="0"/>
+                            </p:stCondLst>
+                            <p:childTnLst>
+                              <p:par>
+                                <p:cTn id="9" presetID="1" presetClass="entr" presetSubtype="0" fill="hold" nodeType="clickEffect">
+                                  <p:stCondLst>
+                                    <p:cond delay="0"/>
+                                  </p:stCondLst>
+                                  <p:childTnLst>
+                                    <p:set>
+                                      <p:cBhvr>
+                                        <p:cTn id="10" dur="1" fill="hold">
+                                          <p:stCondLst>
+                                            <p:cond delay="0"/>
+                                          </p:stCondLst>
+                                        </p:cTn>
+                                        <p:tgtEl>
+                                          <p:spTgt spid="3">
+                                            <p:txEl>
+                                              <p:pRg st="4" end="4"/>
+                                            </p:txEl>
+                                          </p:spTgt>
+                                        </p:tgtEl>
+                                        <p:attrNameLst>
+                                          <p:attrName>style.visibility</p:attrName>
+                                        </p:attrNameLst>
+                                      </p:cBhvr>
+                                      <p:to>
+                                        <p:strVal val="visible"/>
+                                      </p:to>
+                                    </p:set>
+                                  </p:childTnLst>
+                                </p:cTn>
+                              </p:par>
+                            </p:childTnLst>
+                          </p:cTn>
+                        </p:par>
+                      </p:childTnLst>
+                    </p:cTn>
+                  </p:par>
                 </p:childTnLst>
               </p:cTn>
               <p:prevCondLst>
@@ -6059,80 +6272,21 @@
           <a:chExt cx="0" cy="0"/>
         </a:xfrm>
       </p:grpSpPr>
-      <p:sp>
-        <p:nvSpPr>
-          <p:cNvPr id="2" name="Title 1"/>
-          <p:cNvSpPr>
-            <a:spLocks noGrp="1"/>
-          </p:cNvSpPr>
-          <p:nvPr>
-            <p:ph type="title"/>
-          </p:nvPr>
-        </p:nvSpPr>
-        <p:spPr/>
-        <p:txBody>
-          <a:bodyPr/>
-          <a:lstStyle/>
-          <a:p>
-            <a:r>
-              <a:rPr lang="en-US" dirty="0" smtClean="0"/>
-              <a:t>Example</a:t>
-            </a:r>
-            <a:endParaRPr lang="en-US" dirty="0"/>
-          </a:p>
-        </p:txBody>
-      </p:sp>
-      <p:sp>
-        <p:nvSpPr>
-          <p:cNvPr id="3" name="Content Placeholder 2"/>
-          <p:cNvSpPr>
-            <a:spLocks noGrp="1"/>
-          </p:cNvSpPr>
-          <p:nvPr>
-            <p:ph idx="1"/>
-          </p:nvPr>
-        </p:nvSpPr>
-        <p:spPr/>
-        <p:txBody>
-          <a:bodyPr/>
-          <a:lstStyle/>
-          <a:p>
-            <a:r>
-              <a:rPr lang="en-US" dirty="0" smtClean="0"/>
-              <a:t>Mechanical ICD (MICD)</a:t>
-            </a:r>
-          </a:p>
-          <a:p>
-            <a:pPr lvl="1"/>
-            <a:r>
-              <a:rPr lang="en-US" dirty="0" smtClean="0"/>
-              <a:t>Mass</a:t>
-            </a:r>
-          </a:p>
-          <a:p>
-            <a:pPr lvl="1"/>
-            <a:r>
-              <a:rPr lang="en-US" dirty="0" smtClean="0"/>
-              <a:t>Center of mass</a:t>
-            </a:r>
-          </a:p>
-          <a:p>
-            <a:pPr lvl="1"/>
-            <a:r>
-              <a:rPr lang="en-US" i="1" dirty="0" smtClean="0"/>
-              <a:t>Envelopes</a:t>
-            </a:r>
-            <a:endParaRPr lang="en-US" i="1" dirty="0"/>
-          </a:p>
-        </p:txBody>
-      </p:sp>
       <p:pic>
         <p:nvPicPr>
-          <p:cNvPr id="4" name="Picture 3"/>
+          <p:cNvPr id="4" name="Content Placeholder 3">
+            <a:extLst>
+              <a:ext uri="{FF2B5EF4-FFF2-40B4-BE49-F238E27FC236}">
+                <a16:creationId xmlns:a16="http://schemas.microsoft.com/office/drawing/2014/main" id="{D1ACAB36-AE5A-412E-AE9D-8C4FA439260B}"/>
+              </a:ext>
+            </a:extLst>
+          </p:cNvPr>
           <p:cNvPicPr>
-            <a:picLocks noChangeAspect="1"/>
+            <a:picLocks noGrp="1" noChangeAspect="1"/>
           </p:cNvPicPr>
-          <p:nvPr/>
+          <p:nvPr>
+            <p:ph idx="1"/>
+          </p:nvPr>
         </p:nvPicPr>
         <p:blipFill>
           <a:blip r:embed="rId2"/>
@@ -6142,8 +6296,8 @@
         </p:blipFill>
         <p:spPr>
           <a:xfrm>
-            <a:off x="2594350" y="2858443"/>
-            <a:ext cx="6549650" cy="3999557"/>
+            <a:off x="1648599" y="138678"/>
+            <a:ext cx="5846801" cy="6580643"/>
           </a:xfrm>
           <a:prstGeom prst="rect">
             <a:avLst/>
@@ -6153,20 +6307,13 @@
     </p:spTree>
     <p:extLst>
       <p:ext uri="{BB962C8B-B14F-4D97-AF65-F5344CB8AC3E}">
-        <p14:creationId xmlns:p14="http://schemas.microsoft.com/office/powerpoint/2010/main" val="2210633231"/>
+        <p14:creationId xmlns:p14="http://schemas.microsoft.com/office/powerpoint/2010/main" val="3640762942"/>
       </p:ext>
     </p:extLst>
   </p:cSld>
   <p:clrMapOvr>
     <a:masterClrMapping/>
   </p:clrMapOvr>
-  <p:timing>
-    <p:tnLst>
-      <p:par>
-        <p:cTn id="1" dur="indefinite" restart="never" nodeType="tmRoot"/>
-      </p:par>
-    </p:tnLst>
-  </p:timing>
 </p:sld>
 </file>
 
@@ -6203,10 +6350,9 @@
           <a:lstStyle/>
           <a:p>
             <a:r>
-              <a:rPr lang="en-US" dirty="0" smtClean="0"/>
+              <a:rPr lang="en-US" dirty="0"/>
               <a:t>Example</a:t>
             </a:r>
-            <a:endParaRPr lang="en-US" dirty="0"/>
           </a:p>
         </p:txBody>
       </p:sp>
@@ -6226,51 +6372,67 @@
           <a:lstStyle/>
           <a:p>
             <a:r>
-              <a:rPr lang="en-US" dirty="0" smtClean="0"/>
-              <a:t>Electrical ICD (EICD)</a:t>
+              <a:rPr lang="en-US" dirty="0"/>
+              <a:t>Mechanical ICD (MICD)</a:t>
             </a:r>
           </a:p>
           <a:p>
             <a:pPr lvl="1"/>
             <a:r>
-              <a:rPr lang="en-US" dirty="0" smtClean="0"/>
-              <a:t>Power requirements</a:t>
+              <a:rPr lang="en-US" dirty="0"/>
+              <a:t>Mass</a:t>
             </a:r>
           </a:p>
           <a:p>
             <a:pPr lvl="1"/>
             <a:r>
-              <a:rPr lang="en-US" dirty="0" smtClean="0"/>
-              <a:t>Connectors &amp; pinouts</a:t>
+              <a:rPr lang="en-US" dirty="0"/>
+              <a:t>Center of mass</a:t>
             </a:r>
           </a:p>
           <a:p>
             <a:pPr lvl="1"/>
             <a:r>
-              <a:rPr lang="en-US" dirty="0" smtClean="0"/>
-              <a:t>Data transfer (Ethernet, serial, etc.)</a:t>
-            </a:r>
-            <a:endParaRPr lang="en-US" dirty="0"/>
-          </a:p>
-        </p:txBody>
-      </p:sp>
+              <a:rPr lang="en-US" i="1" dirty="0"/>
+              <a:t>Envelopes</a:t>
+            </a:r>
+          </a:p>
+        </p:txBody>
+      </p:sp>
+      <p:pic>
+        <p:nvPicPr>
+          <p:cNvPr id="4" name="Picture 3"/>
+          <p:cNvPicPr>
+            <a:picLocks noChangeAspect="1"/>
+          </p:cNvPicPr>
+          <p:nvPr/>
+        </p:nvPicPr>
+        <p:blipFill>
+          <a:blip r:embed="rId2"/>
+          <a:stretch>
+            <a:fillRect/>
+          </a:stretch>
+        </p:blipFill>
+        <p:spPr>
+          <a:xfrm>
+            <a:off x="2520208" y="2784301"/>
+            <a:ext cx="6549650" cy="3999557"/>
+          </a:xfrm>
+          <a:prstGeom prst="rect">
+            <a:avLst/>
+          </a:prstGeom>
+        </p:spPr>
+      </p:pic>
     </p:spTree>
     <p:extLst>
       <p:ext uri="{BB962C8B-B14F-4D97-AF65-F5344CB8AC3E}">
-        <p14:creationId xmlns:p14="http://schemas.microsoft.com/office/powerpoint/2010/main" val="3051302333"/>
+        <p14:creationId xmlns:p14="http://schemas.microsoft.com/office/powerpoint/2010/main" val="2210633231"/>
       </p:ext>
     </p:extLst>
   </p:cSld>
   <p:clrMapOvr>
     <a:masterClrMapping/>
   </p:clrMapOvr>
-  <p:timing>
-    <p:tnLst>
-      <p:par>
-        <p:cTn id="1" dur="indefinite" restart="never" nodeType="tmRoot"/>
-      </p:par>
-    </p:tnLst>
-  </p:timing>
 </p:sld>
 </file>
 
